--- a/doc/fallstudie_präsentation.pptx
+++ b/doc/fallstudie_präsentation.pptx
@@ -5,14 +5,16 @@
     <p:sldMasterId id="2147483648" r:id="rId1"/>
   </p:sldMasterIdLst>
   <p:notesMasterIdLst>
-    <p:notesMasterId r:id="rId4"/>
+    <p:notesMasterId r:id="rId6"/>
   </p:notesMasterIdLst>
   <p:handoutMasterIdLst>
-    <p:handoutMasterId r:id="rId5"/>
+    <p:handoutMasterId r:id="rId7"/>
   </p:handoutMasterIdLst>
   <p:sldIdLst>
     <p:sldId id="256" r:id="rId2"/>
     <p:sldId id="257" r:id="rId3"/>
+    <p:sldId id="258" r:id="rId4"/>
+    <p:sldId id="259" r:id="rId5"/>
   </p:sldIdLst>
   <p:sldSz cx="9144000" cy="6858000" type="screen4x3"/>
   <p:notesSz cx="6858000" cy="9144000"/>
@@ -196,7 +198,7 @@
           <a:p>
             <a:fld id="{C1AFFBF1-1435-0945-88E0-AE37B4472BCB}" type="datetimeFigureOut">
               <a:rPr lang="de-DE" smtClean="0"/>
-              <a:t>02.11.17</a:t>
+              <a:t>11.11.17</a:t>
             </a:fld>
             <a:endParaRPr lang="de-DE"/>
           </a:p>
@@ -362,7 +364,7 @@
           <a:p>
             <a:fld id="{2DCA07E7-FA1E-D744-8F95-EC3551D08877}" type="datetimeFigureOut">
               <a:rPr lang="de-DE" smtClean="0"/>
-              <a:t>02.11.17</a:t>
+              <a:t>11.11.17</a:t>
             </a:fld>
             <a:endParaRPr lang="de-DE"/>
           </a:p>
@@ -4039,7 +4041,11 @@
           <a:bodyPr/>
           <a:lstStyle/>
           <a:p>
-            <a:endParaRPr lang="de-DE"/>
+            <a:r>
+              <a:rPr lang="de-DE" dirty="0" smtClean="0"/>
+              <a:t>Agenda</a:t>
+            </a:r>
+            <a:endParaRPr lang="de-DE" dirty="0"/>
           </a:p>
         </p:txBody>
       </p:sp>
@@ -4058,7 +4064,32 @@
           <a:bodyPr/>
           <a:lstStyle/>
           <a:p>
-            <a:endParaRPr lang="de-DE"/>
+            <a:r>
+              <a:rPr lang="de-DE" dirty="0" err="1" smtClean="0"/>
+              <a:t>Kdkd</a:t>
+            </a:r>
+            <a:endParaRPr lang="de-DE" dirty="0" smtClean="0"/>
+          </a:p>
+          <a:p>
+            <a:r>
+              <a:rPr lang="de-DE" dirty="0" err="1" smtClean="0"/>
+              <a:t>Jdkdjd</a:t>
+            </a:r>
+            <a:endParaRPr lang="de-DE" dirty="0" smtClean="0"/>
+          </a:p>
+          <a:p>
+            <a:r>
+              <a:rPr lang="de-DE" dirty="0" err="1" smtClean="0"/>
+              <a:t>Jdjdjdj</a:t>
+            </a:r>
+            <a:endParaRPr lang="de-DE" dirty="0" smtClean="0"/>
+          </a:p>
+          <a:p>
+            <a:r>
+              <a:rPr lang="de-DE" dirty="0" err="1" smtClean="0"/>
+              <a:t>djdjdj</a:t>
+            </a:r>
+            <a:endParaRPr lang="de-DE" dirty="0"/>
           </a:p>
         </p:txBody>
       </p:sp>
@@ -4118,6 +4149,230 @@
   <p:clrMapOvr>
     <a:masterClrMapping/>
   </p:clrMapOvr>
+</p:sld>
+</file>
+
+<file path=ppt/slides/slide3.xml><?xml version="1.0" encoding="utf-8"?>
+<p:sld xmlns:a="http://schemas.openxmlformats.org/drawingml/2006/main" xmlns:r="http://schemas.openxmlformats.org/officeDocument/2006/relationships" xmlns:p="http://schemas.openxmlformats.org/presentationml/2006/main">
+  <p:cSld>
+    <p:spTree>
+      <p:nvGrpSpPr>
+        <p:cNvPr id="1" name=""/>
+        <p:cNvGrpSpPr/>
+        <p:nvPr/>
+      </p:nvGrpSpPr>
+      <p:grpSpPr>
+        <a:xfrm>
+          <a:off x="0" y="0"/>
+          <a:ext cx="0" cy="0"/>
+          <a:chOff x="0" y="0"/>
+          <a:chExt cx="0" cy="0"/>
+        </a:xfrm>
+      </p:grpSpPr>
+      <p:sp>
+        <p:nvSpPr>
+          <p:cNvPr id="2" name="Titel 1"/>
+          <p:cNvSpPr>
+            <a:spLocks noGrp="1"/>
+          </p:cNvSpPr>
+          <p:nvPr>
+            <p:ph type="title"/>
+          </p:nvPr>
+        </p:nvSpPr>
+        <p:spPr/>
+        <p:txBody>
+          <a:bodyPr/>
+          <a:lstStyle/>
+          <a:p>
+            <a:endParaRPr lang="de-DE"/>
+          </a:p>
+        </p:txBody>
+      </p:sp>
+      <p:sp>
+        <p:nvSpPr>
+          <p:cNvPr id="3" name="Inhaltsplatzhalter 2"/>
+          <p:cNvSpPr>
+            <a:spLocks noGrp="1"/>
+          </p:cNvSpPr>
+          <p:nvPr>
+            <p:ph idx="1"/>
+          </p:nvPr>
+        </p:nvSpPr>
+        <p:spPr/>
+        <p:txBody>
+          <a:bodyPr/>
+          <a:lstStyle/>
+          <a:p>
+            <a:endParaRPr lang="de-DE"/>
+          </a:p>
+        </p:txBody>
+      </p:sp>
+      <p:sp>
+        <p:nvSpPr>
+          <p:cNvPr id="4" name="Datumsplatzhalter 3"/>
+          <p:cNvSpPr>
+            <a:spLocks noGrp="1"/>
+          </p:cNvSpPr>
+          <p:nvPr>
+            <p:ph type="dt" sz="half" idx="10"/>
+          </p:nvPr>
+        </p:nvSpPr>
+        <p:spPr/>
+        <p:txBody>
+          <a:bodyPr/>
+          <a:lstStyle/>
+          <a:p>
+            <a:r>
+              <a:rPr lang="de-DE" smtClean="0"/>
+              <a:t>13.11.17</a:t>
+            </a:r>
+            <a:endParaRPr lang="en-US"/>
+          </a:p>
+        </p:txBody>
+      </p:sp>
+      <p:sp>
+        <p:nvSpPr>
+          <p:cNvPr id="5" name="Fußzeilenplatzhalter 4"/>
+          <p:cNvSpPr>
+            <a:spLocks noGrp="1"/>
+          </p:cNvSpPr>
+          <p:nvPr>
+            <p:ph type="ftr" sz="quarter" idx="11"/>
+          </p:nvPr>
+        </p:nvSpPr>
+        <p:spPr/>
+        <p:txBody>
+          <a:bodyPr/>
+          <a:lstStyle/>
+          <a:p>
+            <a:r>
+              <a:rPr lang="en-US" smtClean="0"/>
+              <a:t>Watch Tycoon 2017</a:t>
+            </a:r>
+            <a:endParaRPr lang="en-US"/>
+          </a:p>
+        </p:txBody>
+      </p:sp>
+    </p:spTree>
+    <p:extLst>
+      <p:ext uri="{BB962C8B-B14F-4D97-AF65-F5344CB8AC3E}">
+        <p14:creationId xmlns:p14="http://schemas.microsoft.com/office/powerpoint/2010/main" val="1862449899"/>
+      </p:ext>
+    </p:extLst>
+  </p:cSld>
+  <p:clrMapOvr>
+    <a:masterClrMapping/>
+  </p:clrMapOvr>
+</p:sld>
+</file>
+
+<file path=ppt/slides/slide4.xml><?xml version="1.0" encoding="utf-8"?>
+<p:sld xmlns:a="http://schemas.openxmlformats.org/drawingml/2006/main" xmlns:r="http://schemas.openxmlformats.org/officeDocument/2006/relationships" xmlns:p="http://schemas.openxmlformats.org/presentationml/2006/main">
+  <p:cSld>
+    <p:spTree>
+      <p:nvGrpSpPr>
+        <p:cNvPr id="1" name=""/>
+        <p:cNvGrpSpPr/>
+        <p:nvPr/>
+      </p:nvGrpSpPr>
+      <p:grpSpPr>
+        <a:xfrm>
+          <a:off x="0" y="0"/>
+          <a:ext cx="0" cy="0"/>
+          <a:chOff x="0" y="0"/>
+          <a:chExt cx="0" cy="0"/>
+        </a:xfrm>
+      </p:grpSpPr>
+      <p:sp>
+        <p:nvSpPr>
+          <p:cNvPr id="3" name="Inhaltsplatzhalter 2"/>
+          <p:cNvSpPr>
+            <a:spLocks noGrp="1"/>
+          </p:cNvSpPr>
+          <p:nvPr>
+            <p:ph idx="1"/>
+          </p:nvPr>
+        </p:nvSpPr>
+        <p:spPr>
+          <a:xfrm>
+            <a:off x="457200" y="219520"/>
+            <a:ext cx="8229600" cy="5906644"/>
+          </a:xfrm>
+        </p:spPr>
+        <p:txBody>
+          <a:bodyPr/>
+          <a:lstStyle/>
+          <a:p>
+            <a:pPr marL="0" indent="0">
+              <a:buNone/>
+            </a:pPr>
+            <a:endParaRPr lang="de-DE" dirty="0"/>
+          </a:p>
+        </p:txBody>
+      </p:sp>
+      <p:sp>
+        <p:nvSpPr>
+          <p:cNvPr id="4" name="Datumsplatzhalter 3"/>
+          <p:cNvSpPr>
+            <a:spLocks noGrp="1"/>
+          </p:cNvSpPr>
+          <p:nvPr>
+            <p:ph type="dt" sz="half" idx="10"/>
+          </p:nvPr>
+        </p:nvSpPr>
+        <p:spPr/>
+        <p:txBody>
+          <a:bodyPr/>
+          <a:lstStyle/>
+          <a:p>
+            <a:r>
+              <a:rPr lang="de-DE" smtClean="0"/>
+              <a:t>13.11.17</a:t>
+            </a:r>
+            <a:endParaRPr lang="en-US"/>
+          </a:p>
+        </p:txBody>
+      </p:sp>
+      <p:sp>
+        <p:nvSpPr>
+          <p:cNvPr id="5" name="Fußzeilenplatzhalter 4"/>
+          <p:cNvSpPr>
+            <a:spLocks noGrp="1"/>
+          </p:cNvSpPr>
+          <p:nvPr>
+            <p:ph type="ftr" sz="quarter" idx="11"/>
+          </p:nvPr>
+        </p:nvSpPr>
+        <p:spPr/>
+        <p:txBody>
+          <a:bodyPr/>
+          <a:lstStyle/>
+          <a:p>
+            <a:r>
+              <a:rPr lang="en-US" smtClean="0"/>
+              <a:t>Watch Tycoon 2017</a:t>
+            </a:r>
+            <a:endParaRPr lang="en-US"/>
+          </a:p>
+        </p:txBody>
+      </p:sp>
+    </p:spTree>
+    <p:extLst>
+      <p:ext uri="{BB962C8B-B14F-4D97-AF65-F5344CB8AC3E}">
+        <p14:creationId xmlns:p14="http://schemas.microsoft.com/office/powerpoint/2010/main" val="3794338317"/>
+      </p:ext>
+    </p:extLst>
+  </p:cSld>
+  <p:clrMapOvr>
+    <a:masterClrMapping/>
+  </p:clrMapOvr>
+  <p:timing>
+    <p:tnLst>
+      <p:par>
+        <p:cTn xmlns:p14="http://schemas.microsoft.com/office/powerpoint/2010/main" id="1" dur="indefinite" restart="never" nodeType="tmRoot"/>
+      </p:par>
+    </p:tnLst>
+  </p:timing>
 </p:sld>
 </file>
 

--- a/doc/fallstudie_präsentation.pptx
+++ b/doc/fallstudie_präsentation.pptx
@@ -5,16 +5,19 @@
     <p:sldMasterId id="2147483648" r:id="rId1"/>
   </p:sldMasterIdLst>
   <p:notesMasterIdLst>
-    <p:notesMasterId r:id="rId6"/>
+    <p:notesMasterId r:id="rId9"/>
   </p:notesMasterIdLst>
   <p:handoutMasterIdLst>
-    <p:handoutMasterId r:id="rId7"/>
+    <p:handoutMasterId r:id="rId10"/>
   </p:handoutMasterIdLst>
   <p:sldIdLst>
     <p:sldId id="256" r:id="rId2"/>
     <p:sldId id="257" r:id="rId3"/>
     <p:sldId id="258" r:id="rId4"/>
-    <p:sldId id="259" r:id="rId5"/>
+    <p:sldId id="260" r:id="rId5"/>
+    <p:sldId id="261" r:id="rId6"/>
+    <p:sldId id="262" r:id="rId7"/>
+    <p:sldId id="259" r:id="rId8"/>
   </p:sldIdLst>
   <p:sldSz cx="9144000" cy="6858000" type="screen4x3"/>
   <p:notesSz cx="6858000" cy="9144000"/>
@@ -198,7 +201,7 @@
           <a:p>
             <a:fld id="{C1AFFBF1-1435-0945-88E0-AE37B4472BCB}" type="datetimeFigureOut">
               <a:rPr lang="de-DE" smtClean="0"/>
-              <a:t>11.11.17</a:t>
+              <a:t>12.11.17</a:t>
             </a:fld>
             <a:endParaRPr lang="de-DE"/>
           </a:p>
@@ -364,7 +367,7 @@
           <a:p>
             <a:fld id="{2DCA07E7-FA1E-D744-8F95-EC3551D08877}" type="datetimeFigureOut">
               <a:rPr lang="de-DE" smtClean="0"/>
-              <a:t>11.11.17</a:t>
+              <a:t>12.11.17</a:t>
             </a:fld>
             <a:endParaRPr lang="de-DE"/>
           </a:p>
@@ -3255,7 +3258,7 @@
 <p:sldMaster xmlns:a="http://schemas.openxmlformats.org/drawingml/2006/main" xmlns:r="http://schemas.openxmlformats.org/officeDocument/2006/relationships" xmlns:p="http://schemas.openxmlformats.org/presentationml/2006/main">
   <p:cSld>
     <p:bg>
-      <p:bgRef idx="1002">
+      <p:bgRef idx="1001">
         <a:schemeClr val="bg1"/>
       </p:bgRef>
     </p:bg>
@@ -3915,6 +3918,19 @@
 <file path=ppt/slides/slide1.xml><?xml version="1.0" encoding="utf-8"?>
 <p:sld xmlns:a="http://schemas.openxmlformats.org/drawingml/2006/main" xmlns:r="http://schemas.openxmlformats.org/officeDocument/2006/relationships" xmlns:p="http://schemas.openxmlformats.org/presentationml/2006/main">
   <p:cSld>
+    <p:bg>
+      <p:bgPr>
+        <a:blipFill rotWithShape="1">
+          <a:blip r:embed="rId2">
+            <a:alphaModFix amt="25000"/>
+          </a:blip>
+          <a:stretch>
+            <a:fillRect/>
+          </a:stretch>
+        </a:blipFill>
+        <a:effectLst/>
+      </p:bgPr>
+    </p:bg>
     <p:spTree>
       <p:nvGrpSpPr>
         <p:cNvPr id="1" name=""/>
@@ -4012,6 +4028,19 @@
 <file path=ppt/slides/slide2.xml><?xml version="1.0" encoding="utf-8"?>
 <p:sld xmlns:a="http://schemas.openxmlformats.org/drawingml/2006/main" xmlns:r="http://schemas.openxmlformats.org/officeDocument/2006/relationships" xmlns:p="http://schemas.openxmlformats.org/presentationml/2006/main">
   <p:cSld>
+    <p:bg>
+      <p:bgPr>
+        <a:blipFill rotWithShape="1">
+          <a:blip r:embed="rId2">
+            <a:alphaModFix amt="25000"/>
+          </a:blip>
+          <a:stretch>
+            <a:fillRect/>
+          </a:stretch>
+        </a:blipFill>
+        <a:effectLst/>
+      </p:bgPr>
+    </p:bg>
     <p:spTree>
       <p:nvGrpSpPr>
         <p:cNvPr id="1" name=""/>
@@ -4064,30 +4093,47 @@
           <a:bodyPr/>
           <a:lstStyle/>
           <a:p>
+            <a:endParaRPr lang="de-DE" dirty="0" smtClean="0"/>
+          </a:p>
+          <a:p>
+            <a:r>
+              <a:rPr lang="de-DE" dirty="0" smtClean="0"/>
+              <a:t>Klassendiagramm „Unternehmenssimulation“</a:t>
+            </a:r>
+          </a:p>
+          <a:p>
+            <a:endParaRPr lang="de-DE" dirty="0" smtClean="0"/>
+          </a:p>
+          <a:p>
+            <a:r>
+              <a:rPr lang="de-DE" dirty="0" smtClean="0"/>
+              <a:t>Architektur &amp; Entwicklungsumgebung</a:t>
+            </a:r>
+          </a:p>
+          <a:p>
+            <a:endParaRPr lang="de-DE" dirty="0" smtClean="0"/>
+          </a:p>
+          <a:p>
             <a:r>
               <a:rPr lang="de-DE" dirty="0" err="1" smtClean="0"/>
-              <a:t>Kdkd</a:t>
-            </a:r>
+              <a:t>JUnit</a:t>
+            </a:r>
+            <a:r>
+              <a:rPr lang="de-DE" dirty="0"/>
+              <a:t>-</a:t>
+            </a:r>
+            <a:r>
+              <a:rPr lang="de-DE" dirty="0" smtClean="0"/>
+              <a:t>Tests</a:t>
+            </a:r>
+          </a:p>
+          <a:p>
             <a:endParaRPr lang="de-DE" dirty="0" smtClean="0"/>
           </a:p>
           <a:p>
             <a:r>
-              <a:rPr lang="de-DE" dirty="0" err="1" smtClean="0"/>
-              <a:t>Jdkdjd</a:t>
-            </a:r>
-            <a:endParaRPr lang="de-DE" dirty="0" smtClean="0"/>
-          </a:p>
-          <a:p>
-            <a:r>
-              <a:rPr lang="de-DE" dirty="0" err="1" smtClean="0"/>
-              <a:t>Jdjdjdj</a:t>
-            </a:r>
-            <a:endParaRPr lang="de-DE" dirty="0" smtClean="0"/>
-          </a:p>
-          <a:p>
-            <a:r>
-              <a:rPr lang="de-DE" dirty="0" err="1" smtClean="0"/>
-              <a:t>djdjdj</a:t>
+              <a:rPr lang="de-DE" dirty="0" smtClean="0"/>
+              <a:t>Demo</a:t>
             </a:r>
             <a:endParaRPr lang="de-DE" dirty="0"/>
           </a:p>
@@ -4171,44 +4217,6 @@
       </p:grpSpPr>
       <p:sp>
         <p:nvSpPr>
-          <p:cNvPr id="2" name="Titel 1"/>
-          <p:cNvSpPr>
-            <a:spLocks noGrp="1"/>
-          </p:cNvSpPr>
-          <p:nvPr>
-            <p:ph type="title"/>
-          </p:nvPr>
-        </p:nvSpPr>
-        <p:spPr/>
-        <p:txBody>
-          <a:bodyPr/>
-          <a:lstStyle/>
-          <a:p>
-            <a:endParaRPr lang="de-DE"/>
-          </a:p>
-        </p:txBody>
-      </p:sp>
-      <p:sp>
-        <p:nvSpPr>
-          <p:cNvPr id="3" name="Inhaltsplatzhalter 2"/>
-          <p:cNvSpPr>
-            <a:spLocks noGrp="1"/>
-          </p:cNvSpPr>
-          <p:nvPr>
-            <p:ph idx="1"/>
-          </p:nvPr>
-        </p:nvSpPr>
-        <p:spPr/>
-        <p:txBody>
-          <a:bodyPr/>
-          <a:lstStyle/>
-          <a:p>
-            <a:endParaRPr lang="de-DE"/>
-          </a:p>
-        </p:txBody>
-      </p:sp>
-      <p:sp>
-        <p:nvSpPr>
           <p:cNvPr id="4" name="Datumsplatzhalter 3"/>
           <p:cNvSpPr>
             <a:spLocks noGrp="1"/>
@@ -4253,6 +4261,36 @@
           </a:p>
         </p:txBody>
       </p:sp>
+      <p:pic>
+        <p:nvPicPr>
+          <p:cNvPr id="8" name="Bild 7" descr="Unternehmenssimmulation_final.png"/>
+          <p:cNvPicPr>
+            <a:picLocks noChangeAspect="1"/>
+          </p:cNvPicPr>
+          <p:nvPr/>
+        </p:nvPicPr>
+        <p:blipFill>
+          <a:blip r:embed="rId2" cstate="print">
+            <a:extLst>
+              <a:ext uri="{28A0092B-C50C-407E-A947-70E740481C1C}">
+                <a14:useLocalDpi xmlns:a14="http://schemas.microsoft.com/office/drawing/2010/main" val="0"/>
+              </a:ext>
+            </a:extLst>
+          </a:blip>
+          <a:stretch>
+            <a:fillRect/>
+          </a:stretch>
+        </p:blipFill>
+        <p:spPr>
+          <a:xfrm>
+            <a:off x="2336799" y="0"/>
+            <a:ext cx="5047383" cy="6858000"/>
+          </a:xfrm>
+          <a:prstGeom prst="rect">
+            <a:avLst/>
+          </a:prstGeom>
+        </p:spPr>
+      </p:pic>
     </p:spTree>
     <p:extLst>
       <p:ext uri="{BB962C8B-B14F-4D97-AF65-F5344CB8AC3E}">
@@ -4269,6 +4307,19 @@
 <file path=ppt/slides/slide4.xml><?xml version="1.0" encoding="utf-8"?>
 <p:sld xmlns:a="http://schemas.openxmlformats.org/drawingml/2006/main" xmlns:r="http://schemas.openxmlformats.org/officeDocument/2006/relationships" xmlns:p="http://schemas.openxmlformats.org/presentationml/2006/main">
   <p:cSld>
+    <p:bg>
+      <p:bgPr>
+        <a:blipFill rotWithShape="1">
+          <a:blip r:embed="rId2">
+            <a:alphaModFix amt="25000"/>
+          </a:blip>
+          <a:stretch>
+            <a:fillRect/>
+          </a:stretch>
+        </a:blipFill>
+        <a:effectLst/>
+      </p:bgPr>
+    </p:bg>
     <p:spTree>
       <p:nvGrpSpPr>
         <p:cNvPr id="1" name=""/>
@@ -4285,6 +4336,389 @@
       </p:grpSpPr>
       <p:sp>
         <p:nvSpPr>
+          <p:cNvPr id="2" name="Titel 1"/>
+          <p:cNvSpPr>
+            <a:spLocks noGrp="1"/>
+          </p:cNvSpPr>
+          <p:nvPr>
+            <p:ph type="title"/>
+          </p:nvPr>
+        </p:nvSpPr>
+        <p:spPr/>
+        <p:txBody>
+          <a:bodyPr/>
+          <a:lstStyle/>
+          <a:p>
+            <a:r>
+              <a:rPr lang="de-DE" dirty="0" smtClean="0"/>
+              <a:t>Architektur &amp; Entwicklungsumgebung</a:t>
+            </a:r>
+            <a:endParaRPr lang="de-DE" dirty="0"/>
+          </a:p>
+        </p:txBody>
+      </p:sp>
+      <p:sp>
+        <p:nvSpPr>
+          <p:cNvPr id="3" name="Inhaltsplatzhalter 2"/>
+          <p:cNvSpPr>
+            <a:spLocks noGrp="1"/>
+          </p:cNvSpPr>
+          <p:nvPr>
+            <p:ph idx="1"/>
+          </p:nvPr>
+        </p:nvSpPr>
+        <p:spPr/>
+        <p:txBody>
+          <a:bodyPr/>
+          <a:lstStyle/>
+          <a:p>
+            <a:endParaRPr lang="de-DE"/>
+          </a:p>
+        </p:txBody>
+      </p:sp>
+      <p:sp>
+        <p:nvSpPr>
+          <p:cNvPr id="4" name="Datumsplatzhalter 3"/>
+          <p:cNvSpPr>
+            <a:spLocks noGrp="1"/>
+          </p:cNvSpPr>
+          <p:nvPr>
+            <p:ph type="dt" sz="half" idx="10"/>
+          </p:nvPr>
+        </p:nvSpPr>
+        <p:spPr/>
+        <p:txBody>
+          <a:bodyPr/>
+          <a:lstStyle/>
+          <a:p>
+            <a:r>
+              <a:rPr lang="de-DE" smtClean="0"/>
+              <a:t>13.11.17</a:t>
+            </a:r>
+            <a:endParaRPr lang="en-US"/>
+          </a:p>
+        </p:txBody>
+      </p:sp>
+      <p:sp>
+        <p:nvSpPr>
+          <p:cNvPr id="5" name="Fußzeilenplatzhalter 4"/>
+          <p:cNvSpPr>
+            <a:spLocks noGrp="1"/>
+          </p:cNvSpPr>
+          <p:nvPr>
+            <p:ph type="ftr" sz="quarter" idx="11"/>
+          </p:nvPr>
+        </p:nvSpPr>
+        <p:spPr/>
+        <p:txBody>
+          <a:bodyPr/>
+          <a:lstStyle/>
+          <a:p>
+            <a:r>
+              <a:rPr lang="en-US" smtClean="0"/>
+              <a:t>Watch Tycoon 2017</a:t>
+            </a:r>
+            <a:endParaRPr lang="en-US"/>
+          </a:p>
+        </p:txBody>
+      </p:sp>
+    </p:spTree>
+    <p:extLst>
+      <p:ext uri="{BB962C8B-B14F-4D97-AF65-F5344CB8AC3E}">
+        <p14:creationId xmlns:p14="http://schemas.microsoft.com/office/powerpoint/2010/main" val="2147145723"/>
+      </p:ext>
+    </p:extLst>
+  </p:cSld>
+  <p:clrMapOvr>
+    <a:masterClrMapping/>
+  </p:clrMapOvr>
+</p:sld>
+</file>
+
+<file path=ppt/slides/slide5.xml><?xml version="1.0" encoding="utf-8"?>
+<p:sld xmlns:a="http://schemas.openxmlformats.org/drawingml/2006/main" xmlns:r="http://schemas.openxmlformats.org/officeDocument/2006/relationships" xmlns:p="http://schemas.openxmlformats.org/presentationml/2006/main">
+  <p:cSld>
+    <p:bg>
+      <p:bgPr>
+        <a:blipFill rotWithShape="1">
+          <a:blip r:embed="rId2">
+            <a:alphaModFix amt="25000"/>
+          </a:blip>
+          <a:stretch>
+            <a:fillRect/>
+          </a:stretch>
+        </a:blipFill>
+        <a:effectLst/>
+      </p:bgPr>
+    </p:bg>
+    <p:spTree>
+      <p:nvGrpSpPr>
+        <p:cNvPr id="1" name=""/>
+        <p:cNvGrpSpPr/>
+        <p:nvPr/>
+      </p:nvGrpSpPr>
+      <p:grpSpPr>
+        <a:xfrm>
+          <a:off x="0" y="0"/>
+          <a:ext cx="0" cy="0"/>
+          <a:chOff x="0" y="0"/>
+          <a:chExt cx="0" cy="0"/>
+        </a:xfrm>
+      </p:grpSpPr>
+      <p:sp>
+        <p:nvSpPr>
+          <p:cNvPr id="2" name="Titel 1"/>
+          <p:cNvSpPr>
+            <a:spLocks noGrp="1"/>
+          </p:cNvSpPr>
+          <p:nvPr>
+            <p:ph type="title"/>
+          </p:nvPr>
+        </p:nvSpPr>
+        <p:spPr/>
+        <p:txBody>
+          <a:bodyPr/>
+          <a:lstStyle/>
+          <a:p>
+            <a:r>
+              <a:rPr lang="de-DE" dirty="0" err="1" smtClean="0"/>
+              <a:t>JUnit</a:t>
+            </a:r>
+            <a:r>
+              <a:rPr lang="de-DE" dirty="0" smtClean="0"/>
+              <a:t>-Tests</a:t>
+            </a:r>
+            <a:endParaRPr lang="de-DE" dirty="0"/>
+          </a:p>
+        </p:txBody>
+      </p:sp>
+      <p:sp>
+        <p:nvSpPr>
+          <p:cNvPr id="3" name="Inhaltsplatzhalter 2"/>
+          <p:cNvSpPr>
+            <a:spLocks noGrp="1"/>
+          </p:cNvSpPr>
+          <p:nvPr>
+            <p:ph idx="1"/>
+          </p:nvPr>
+        </p:nvSpPr>
+        <p:spPr/>
+        <p:txBody>
+          <a:bodyPr/>
+          <a:lstStyle/>
+          <a:p>
+            <a:endParaRPr lang="de-DE"/>
+          </a:p>
+        </p:txBody>
+      </p:sp>
+      <p:sp>
+        <p:nvSpPr>
+          <p:cNvPr id="4" name="Datumsplatzhalter 3"/>
+          <p:cNvSpPr>
+            <a:spLocks noGrp="1"/>
+          </p:cNvSpPr>
+          <p:nvPr>
+            <p:ph type="dt" sz="half" idx="10"/>
+          </p:nvPr>
+        </p:nvSpPr>
+        <p:spPr/>
+        <p:txBody>
+          <a:bodyPr/>
+          <a:lstStyle/>
+          <a:p>
+            <a:r>
+              <a:rPr lang="de-DE" smtClean="0"/>
+              <a:t>13.11.17</a:t>
+            </a:r>
+            <a:endParaRPr lang="en-US"/>
+          </a:p>
+        </p:txBody>
+      </p:sp>
+      <p:sp>
+        <p:nvSpPr>
+          <p:cNvPr id="5" name="Fußzeilenplatzhalter 4"/>
+          <p:cNvSpPr>
+            <a:spLocks noGrp="1"/>
+          </p:cNvSpPr>
+          <p:nvPr>
+            <p:ph type="ftr" sz="quarter" idx="11"/>
+          </p:nvPr>
+        </p:nvSpPr>
+        <p:spPr/>
+        <p:txBody>
+          <a:bodyPr/>
+          <a:lstStyle/>
+          <a:p>
+            <a:r>
+              <a:rPr lang="en-US" smtClean="0"/>
+              <a:t>Watch Tycoon 2017</a:t>
+            </a:r>
+            <a:endParaRPr lang="en-US"/>
+          </a:p>
+        </p:txBody>
+      </p:sp>
+    </p:spTree>
+    <p:extLst>
+      <p:ext uri="{BB962C8B-B14F-4D97-AF65-F5344CB8AC3E}">
+        <p14:creationId xmlns:p14="http://schemas.microsoft.com/office/powerpoint/2010/main" val="1670040334"/>
+      </p:ext>
+    </p:extLst>
+  </p:cSld>
+  <p:clrMapOvr>
+    <a:masterClrMapping/>
+  </p:clrMapOvr>
+</p:sld>
+</file>
+
+<file path=ppt/slides/slide6.xml><?xml version="1.0" encoding="utf-8"?>
+<p:sld xmlns:a="http://schemas.openxmlformats.org/drawingml/2006/main" xmlns:r="http://schemas.openxmlformats.org/officeDocument/2006/relationships" xmlns:p="http://schemas.openxmlformats.org/presentationml/2006/main">
+  <p:cSld>
+    <p:bg>
+      <p:bgPr>
+        <a:blipFill rotWithShape="1">
+          <a:blip r:embed="rId2">
+            <a:alphaModFix amt="25000"/>
+          </a:blip>
+          <a:stretch>
+            <a:fillRect/>
+          </a:stretch>
+        </a:blipFill>
+        <a:effectLst/>
+      </p:bgPr>
+    </p:bg>
+    <p:spTree>
+      <p:nvGrpSpPr>
+        <p:cNvPr id="1" name=""/>
+        <p:cNvGrpSpPr/>
+        <p:nvPr/>
+      </p:nvGrpSpPr>
+      <p:grpSpPr>
+        <a:xfrm>
+          <a:off x="0" y="0"/>
+          <a:ext cx="0" cy="0"/>
+          <a:chOff x="0" y="0"/>
+          <a:chExt cx="0" cy="0"/>
+        </a:xfrm>
+      </p:grpSpPr>
+      <p:sp>
+        <p:nvSpPr>
+          <p:cNvPr id="2" name="Titel 1"/>
+          <p:cNvSpPr>
+            <a:spLocks noGrp="1"/>
+          </p:cNvSpPr>
+          <p:nvPr>
+            <p:ph type="title"/>
+          </p:nvPr>
+        </p:nvSpPr>
+        <p:spPr>
+          <a:xfrm>
+            <a:off x="457200" y="417370"/>
+            <a:ext cx="8229600" cy="2969490"/>
+          </a:xfrm>
+        </p:spPr>
+        <p:txBody>
+          <a:bodyPr/>
+          <a:lstStyle/>
+          <a:p>
+            <a:r>
+              <a:rPr lang="de-DE" dirty="0" smtClean="0"/>
+              <a:t>DEMO</a:t>
+            </a:r>
+            <a:endParaRPr lang="de-DE" dirty="0"/>
+          </a:p>
+        </p:txBody>
+      </p:sp>
+      <p:sp>
+        <p:nvSpPr>
+          <p:cNvPr id="4" name="Datumsplatzhalter 3"/>
+          <p:cNvSpPr>
+            <a:spLocks noGrp="1"/>
+          </p:cNvSpPr>
+          <p:nvPr>
+            <p:ph type="dt" sz="half" idx="10"/>
+          </p:nvPr>
+        </p:nvSpPr>
+        <p:spPr/>
+        <p:txBody>
+          <a:bodyPr/>
+          <a:lstStyle/>
+          <a:p>
+            <a:r>
+              <a:rPr lang="de-DE" smtClean="0"/>
+              <a:t>13.11.17</a:t>
+            </a:r>
+            <a:endParaRPr lang="en-US"/>
+          </a:p>
+        </p:txBody>
+      </p:sp>
+      <p:sp>
+        <p:nvSpPr>
+          <p:cNvPr id="5" name="Fußzeilenplatzhalter 4"/>
+          <p:cNvSpPr>
+            <a:spLocks noGrp="1"/>
+          </p:cNvSpPr>
+          <p:nvPr>
+            <p:ph type="ftr" sz="quarter" idx="11"/>
+          </p:nvPr>
+        </p:nvSpPr>
+        <p:spPr/>
+        <p:txBody>
+          <a:bodyPr/>
+          <a:lstStyle/>
+          <a:p>
+            <a:r>
+              <a:rPr lang="en-US" smtClean="0"/>
+              <a:t>Watch Tycoon 2017</a:t>
+            </a:r>
+            <a:endParaRPr lang="en-US"/>
+          </a:p>
+        </p:txBody>
+      </p:sp>
+    </p:spTree>
+    <p:extLst>
+      <p:ext uri="{BB962C8B-B14F-4D97-AF65-F5344CB8AC3E}">
+        <p14:creationId xmlns:p14="http://schemas.microsoft.com/office/powerpoint/2010/main" val="3249305254"/>
+      </p:ext>
+    </p:extLst>
+  </p:cSld>
+  <p:clrMapOvr>
+    <a:masterClrMapping/>
+  </p:clrMapOvr>
+</p:sld>
+</file>
+
+<file path=ppt/slides/slide7.xml><?xml version="1.0" encoding="utf-8"?>
+<p:sld xmlns:a="http://schemas.openxmlformats.org/drawingml/2006/main" xmlns:r="http://schemas.openxmlformats.org/officeDocument/2006/relationships" xmlns:p="http://schemas.openxmlformats.org/presentationml/2006/main">
+  <p:cSld>
+    <p:bg>
+      <p:bgPr>
+        <a:blipFill rotWithShape="1">
+          <a:blip r:embed="rId2">
+            <a:alphaModFix amt="25000"/>
+          </a:blip>
+          <a:stretch>
+            <a:fillRect/>
+          </a:stretch>
+        </a:blipFill>
+        <a:effectLst/>
+      </p:bgPr>
+    </p:bg>
+    <p:spTree>
+      <p:nvGrpSpPr>
+        <p:cNvPr id="1" name=""/>
+        <p:cNvGrpSpPr/>
+        <p:nvPr/>
+      </p:nvGrpSpPr>
+      <p:grpSpPr>
+        <a:xfrm>
+          <a:off x="0" y="0"/>
+          <a:ext cx="0" cy="0"/>
+          <a:chOff x="0" y="0"/>
+          <a:chExt cx="0" cy="0"/>
+        </a:xfrm>
+      </p:grpSpPr>
+      <p:sp>
+        <p:nvSpPr>
           <p:cNvPr id="3" name="Inhaltsplatzhalter 2"/>
           <p:cNvSpPr>
             <a:spLocks noGrp="1"/>
@@ -4300,13 +4734,43 @@
           </a:xfrm>
         </p:spPr>
         <p:txBody>
-          <a:bodyPr/>
-          <a:lstStyle/>
-          <a:p>
-            <a:pPr marL="0" indent="0">
+          <a:bodyPr>
+            <a:normAutofit/>
+          </a:bodyPr>
+          <a:lstStyle/>
+          <a:p>
+            <a:pPr marL="0" indent="0" algn="ctr">
               <a:buNone/>
             </a:pPr>
-            <a:endParaRPr lang="de-DE" dirty="0"/>
+            <a:endParaRPr lang="de-DE" sz="3200" dirty="0" smtClean="0"/>
+          </a:p>
+          <a:p>
+            <a:pPr marL="0" indent="0" algn="ctr">
+              <a:buNone/>
+            </a:pPr>
+            <a:endParaRPr lang="de-DE" sz="3200" dirty="0"/>
+          </a:p>
+          <a:p>
+            <a:pPr marL="0" indent="0" algn="ctr">
+              <a:buNone/>
+            </a:pPr>
+            <a:endParaRPr lang="de-DE" sz="3200" dirty="0" smtClean="0"/>
+          </a:p>
+          <a:p>
+            <a:pPr marL="0" indent="0" algn="ctr">
+              <a:buNone/>
+            </a:pPr>
+            <a:endParaRPr lang="de-DE" sz="3200" dirty="0"/>
+          </a:p>
+          <a:p>
+            <a:pPr marL="0" indent="0" algn="ctr">
+              <a:buNone/>
+            </a:pPr>
+            <a:r>
+              <a:rPr lang="de-DE" sz="3200" dirty="0" smtClean="0"/>
+              <a:t>Vielen Dank für eure Aufmerksamkeit!</a:t>
+            </a:r>
+            <a:endParaRPr lang="de-DE" sz="3200" dirty="0"/>
           </a:p>
         </p:txBody>
       </p:sp>

--- a/doc/fallstudie_präsentation.pptx
+++ b/doc/fallstudie_präsentation.pptx
@@ -5,19 +5,26 @@
     <p:sldMasterId id="2147483648" r:id="rId1"/>
   </p:sldMasterIdLst>
   <p:notesMasterIdLst>
-    <p:notesMasterId r:id="rId9"/>
+    <p:notesMasterId r:id="rId16"/>
   </p:notesMasterIdLst>
   <p:handoutMasterIdLst>
-    <p:handoutMasterId r:id="rId10"/>
+    <p:handoutMasterId r:id="rId17"/>
   </p:handoutMasterIdLst>
   <p:sldIdLst>
     <p:sldId id="256" r:id="rId2"/>
     <p:sldId id="257" r:id="rId3"/>
-    <p:sldId id="258" r:id="rId4"/>
-    <p:sldId id="260" r:id="rId5"/>
-    <p:sldId id="261" r:id="rId6"/>
-    <p:sldId id="262" r:id="rId7"/>
-    <p:sldId id="259" r:id="rId8"/>
+    <p:sldId id="260" r:id="rId4"/>
+    <p:sldId id="266" r:id="rId5"/>
+    <p:sldId id="263" r:id="rId6"/>
+    <p:sldId id="268" r:id="rId7"/>
+    <p:sldId id="258" r:id="rId8"/>
+    <p:sldId id="267" r:id="rId9"/>
+    <p:sldId id="264" r:id="rId10"/>
+    <p:sldId id="261" r:id="rId11"/>
+    <p:sldId id="265" r:id="rId12"/>
+    <p:sldId id="262" r:id="rId13"/>
+    <p:sldId id="269" r:id="rId14"/>
+    <p:sldId id="259" r:id="rId15"/>
   </p:sldIdLst>
   <p:sldSz cx="9144000" cy="6858000" type="screen4x3"/>
   <p:notesSz cx="6858000" cy="9144000"/>
@@ -201,7 +208,7 @@
           <a:p>
             <a:fld id="{C1AFFBF1-1435-0945-88E0-AE37B4472BCB}" type="datetimeFigureOut">
               <a:rPr lang="de-DE" smtClean="0"/>
-              <a:t>12.11.17</a:t>
+              <a:t>13.11.17</a:t>
             </a:fld>
             <a:endParaRPr lang="de-DE"/>
           </a:p>
@@ -367,7 +374,7 @@
           <a:p>
             <a:fld id="{2DCA07E7-FA1E-D744-8F95-EC3551D08877}" type="datetimeFigureOut">
               <a:rPr lang="de-DE" smtClean="0"/>
-              <a:t>12.11.17</a:t>
+              <a:t>13.11.17</a:t>
             </a:fld>
             <a:endParaRPr lang="de-DE"/>
           </a:p>
@@ -4025,6 +4032,983 @@
 </p:sld>
 </file>
 
+<file path=ppt/slides/slide10.xml><?xml version="1.0" encoding="utf-8"?>
+<p:sld xmlns:a="http://schemas.openxmlformats.org/drawingml/2006/main" xmlns:r="http://schemas.openxmlformats.org/officeDocument/2006/relationships" xmlns:p="http://schemas.openxmlformats.org/presentationml/2006/main">
+  <p:cSld>
+    <p:bg>
+      <p:bgPr>
+        <a:blipFill rotWithShape="1">
+          <a:blip r:embed="rId2">
+            <a:alphaModFix amt="25000"/>
+          </a:blip>
+          <a:stretch>
+            <a:fillRect/>
+          </a:stretch>
+        </a:blipFill>
+        <a:effectLst/>
+      </p:bgPr>
+    </p:bg>
+    <p:spTree>
+      <p:nvGrpSpPr>
+        <p:cNvPr id="1" name=""/>
+        <p:cNvGrpSpPr/>
+        <p:nvPr/>
+      </p:nvGrpSpPr>
+      <p:grpSpPr>
+        <a:xfrm>
+          <a:off x="0" y="0"/>
+          <a:ext cx="0" cy="0"/>
+          <a:chOff x="0" y="0"/>
+          <a:chExt cx="0" cy="0"/>
+        </a:xfrm>
+      </p:grpSpPr>
+      <p:sp>
+        <p:nvSpPr>
+          <p:cNvPr id="2" name="Titel 1"/>
+          <p:cNvSpPr>
+            <a:spLocks noGrp="1"/>
+          </p:cNvSpPr>
+          <p:nvPr>
+            <p:ph type="title"/>
+          </p:nvPr>
+        </p:nvSpPr>
+        <p:spPr/>
+        <p:txBody>
+          <a:bodyPr/>
+          <a:lstStyle/>
+          <a:p>
+            <a:r>
+              <a:rPr lang="de-DE" dirty="0" err="1" smtClean="0"/>
+              <a:t>JUnit</a:t>
+            </a:r>
+            <a:r>
+              <a:rPr lang="de-DE" dirty="0" smtClean="0"/>
+              <a:t>-Tests</a:t>
+            </a:r>
+            <a:endParaRPr lang="de-DE" dirty="0"/>
+          </a:p>
+        </p:txBody>
+      </p:sp>
+      <p:sp>
+        <p:nvSpPr>
+          <p:cNvPr id="3" name="Inhaltsplatzhalter 2"/>
+          <p:cNvSpPr>
+            <a:spLocks noGrp="1"/>
+          </p:cNvSpPr>
+          <p:nvPr>
+            <p:ph idx="1"/>
+          </p:nvPr>
+        </p:nvSpPr>
+        <p:spPr/>
+        <p:txBody>
+          <a:bodyPr/>
+          <a:lstStyle/>
+          <a:p>
+            <a:endParaRPr lang="de-DE" dirty="0" smtClean="0"/>
+          </a:p>
+          <a:p>
+            <a:r>
+              <a:rPr lang="de-DE" dirty="0" smtClean="0"/>
+              <a:t>Entwickler-Test</a:t>
+            </a:r>
+          </a:p>
+          <a:p>
+            <a:endParaRPr lang="de-DE" dirty="0"/>
+          </a:p>
+          <a:p>
+            <a:r>
+              <a:rPr lang="de-DE" dirty="0" smtClean="0"/>
+              <a:t>Unit-Test</a:t>
+            </a:r>
+          </a:p>
+          <a:p>
+            <a:endParaRPr lang="de-DE" dirty="0"/>
+          </a:p>
+          <a:p>
+            <a:r>
+              <a:rPr lang="de-DE" dirty="0" smtClean="0"/>
+              <a:t>Spielablauf-Test</a:t>
+            </a:r>
+            <a:endParaRPr lang="de-DE" dirty="0" smtClean="0"/>
+          </a:p>
+          <a:p>
+            <a:pPr marL="0" indent="0">
+              <a:buNone/>
+            </a:pPr>
+            <a:endParaRPr lang="de-DE" dirty="0"/>
+          </a:p>
+        </p:txBody>
+      </p:sp>
+      <p:sp>
+        <p:nvSpPr>
+          <p:cNvPr id="4" name="Datumsplatzhalter 3"/>
+          <p:cNvSpPr>
+            <a:spLocks noGrp="1"/>
+          </p:cNvSpPr>
+          <p:nvPr>
+            <p:ph type="dt" sz="half" idx="10"/>
+          </p:nvPr>
+        </p:nvSpPr>
+        <p:spPr/>
+        <p:txBody>
+          <a:bodyPr/>
+          <a:lstStyle/>
+          <a:p>
+            <a:r>
+              <a:rPr lang="de-DE" smtClean="0"/>
+              <a:t>13.11.17</a:t>
+            </a:r>
+            <a:endParaRPr lang="en-US"/>
+          </a:p>
+        </p:txBody>
+      </p:sp>
+      <p:sp>
+        <p:nvSpPr>
+          <p:cNvPr id="5" name="Fußzeilenplatzhalter 4"/>
+          <p:cNvSpPr>
+            <a:spLocks noGrp="1"/>
+          </p:cNvSpPr>
+          <p:nvPr>
+            <p:ph type="ftr" sz="quarter" idx="11"/>
+          </p:nvPr>
+        </p:nvSpPr>
+        <p:spPr/>
+        <p:txBody>
+          <a:bodyPr/>
+          <a:lstStyle/>
+          <a:p>
+            <a:r>
+              <a:rPr lang="en-US" smtClean="0"/>
+              <a:t>Watch Tycoon 2017</a:t>
+            </a:r>
+            <a:endParaRPr lang="en-US"/>
+          </a:p>
+        </p:txBody>
+      </p:sp>
+    </p:spTree>
+    <p:extLst>
+      <p:ext uri="{BB962C8B-B14F-4D97-AF65-F5344CB8AC3E}">
+        <p14:creationId xmlns:p14="http://schemas.microsoft.com/office/powerpoint/2010/main" val="1670040334"/>
+      </p:ext>
+    </p:extLst>
+  </p:cSld>
+  <p:clrMapOvr>
+    <a:masterClrMapping/>
+  </p:clrMapOvr>
+  <p:timing>
+    <p:tnLst>
+      <p:par>
+        <p:cTn xmlns:p14="http://schemas.microsoft.com/office/powerpoint/2010/main" id="1" dur="indefinite" restart="never" nodeType="tmRoot"/>
+      </p:par>
+    </p:tnLst>
+  </p:timing>
+</p:sld>
+</file>
+
+<file path=ppt/slides/slide11.xml><?xml version="1.0" encoding="utf-8"?>
+<p:sld xmlns:a="http://schemas.openxmlformats.org/drawingml/2006/main" xmlns:r="http://schemas.openxmlformats.org/officeDocument/2006/relationships" xmlns:p="http://schemas.openxmlformats.org/presentationml/2006/main">
+  <p:cSld>
+    <p:spTree>
+      <p:nvGrpSpPr>
+        <p:cNvPr id="1" name=""/>
+        <p:cNvGrpSpPr/>
+        <p:nvPr/>
+      </p:nvGrpSpPr>
+      <p:grpSpPr>
+        <a:xfrm>
+          <a:off x="0" y="0"/>
+          <a:ext cx="0" cy="0"/>
+          <a:chOff x="0" y="0"/>
+          <a:chExt cx="0" cy="0"/>
+        </a:xfrm>
+      </p:grpSpPr>
+      <p:sp>
+        <p:nvSpPr>
+          <p:cNvPr id="4" name="Datumsplatzhalter 3"/>
+          <p:cNvSpPr>
+            <a:spLocks noGrp="1"/>
+          </p:cNvSpPr>
+          <p:nvPr>
+            <p:ph type="dt" sz="half" idx="10"/>
+          </p:nvPr>
+        </p:nvSpPr>
+        <p:spPr/>
+        <p:txBody>
+          <a:bodyPr/>
+          <a:lstStyle/>
+          <a:p>
+            <a:r>
+              <a:rPr lang="de-DE" smtClean="0"/>
+              <a:t>13.11.17</a:t>
+            </a:r>
+            <a:endParaRPr lang="en-US"/>
+          </a:p>
+        </p:txBody>
+      </p:sp>
+      <p:sp>
+        <p:nvSpPr>
+          <p:cNvPr id="5" name="Fußzeilenplatzhalter 4"/>
+          <p:cNvSpPr>
+            <a:spLocks noGrp="1"/>
+          </p:cNvSpPr>
+          <p:nvPr>
+            <p:ph type="ftr" sz="quarter" idx="11"/>
+          </p:nvPr>
+        </p:nvSpPr>
+        <p:spPr/>
+        <p:txBody>
+          <a:bodyPr/>
+          <a:lstStyle/>
+          <a:p>
+            <a:r>
+              <a:rPr lang="en-US" smtClean="0"/>
+              <a:t>Watch Tycoon 2017</a:t>
+            </a:r>
+            <a:endParaRPr lang="en-US"/>
+          </a:p>
+        </p:txBody>
+      </p:sp>
+      <p:pic>
+        <p:nvPicPr>
+          <p:cNvPr id="10" name="Bild 9" descr="bild2_tests.png"/>
+          <p:cNvPicPr>
+            <a:picLocks noChangeAspect="1"/>
+          </p:cNvPicPr>
+          <p:nvPr/>
+        </p:nvPicPr>
+        <p:blipFill>
+          <a:blip r:embed="rId2">
+            <a:extLst>
+              <a:ext uri="{28A0092B-C50C-407E-A947-70E740481C1C}">
+                <a14:useLocalDpi xmlns:a14="http://schemas.microsoft.com/office/drawing/2010/main" val="0"/>
+              </a:ext>
+            </a:extLst>
+          </a:blip>
+          <a:stretch>
+            <a:fillRect/>
+          </a:stretch>
+        </p:blipFill>
+        <p:spPr>
+          <a:xfrm>
+            <a:off x="1579356" y="2063611"/>
+            <a:ext cx="5626608" cy="2962656"/>
+          </a:xfrm>
+          <a:prstGeom prst="rect">
+            <a:avLst/>
+          </a:prstGeom>
+        </p:spPr>
+      </p:pic>
+      <p:pic>
+        <p:nvPicPr>
+          <p:cNvPr id="11" name="Bild 10" descr="bild3_tests.png"/>
+          <p:cNvPicPr>
+            <a:picLocks noChangeAspect="1"/>
+          </p:cNvPicPr>
+          <p:nvPr/>
+        </p:nvPicPr>
+        <p:blipFill>
+          <a:blip r:embed="rId3">
+            <a:extLst>
+              <a:ext uri="{28A0092B-C50C-407E-A947-70E740481C1C}">
+                <a14:useLocalDpi xmlns:a14="http://schemas.microsoft.com/office/drawing/2010/main" val="0"/>
+              </a:ext>
+            </a:extLst>
+          </a:blip>
+          <a:stretch>
+            <a:fillRect/>
+          </a:stretch>
+        </p:blipFill>
+        <p:spPr>
+          <a:xfrm>
+            <a:off x="1579356" y="5270045"/>
+            <a:ext cx="5760720" cy="926592"/>
+          </a:xfrm>
+          <a:prstGeom prst="rect">
+            <a:avLst/>
+          </a:prstGeom>
+        </p:spPr>
+      </p:pic>
+      <p:pic>
+        <p:nvPicPr>
+          <p:cNvPr id="9" name="Bild 8" descr="bild1_tests.png"/>
+          <p:cNvPicPr>
+            <a:picLocks noChangeAspect="1"/>
+          </p:cNvPicPr>
+          <p:nvPr/>
+        </p:nvPicPr>
+        <p:blipFill>
+          <a:blip r:embed="rId4">
+            <a:extLst>
+              <a:ext uri="{28A0092B-C50C-407E-A947-70E740481C1C}">
+                <a14:useLocalDpi xmlns:a14="http://schemas.microsoft.com/office/drawing/2010/main" val="0"/>
+              </a:ext>
+            </a:extLst>
+          </a:blip>
+          <a:stretch>
+            <a:fillRect/>
+          </a:stretch>
+        </p:blipFill>
+        <p:spPr>
+          <a:xfrm>
+            <a:off x="1579356" y="0"/>
+            <a:ext cx="5760720" cy="1554480"/>
+          </a:xfrm>
+          <a:prstGeom prst="rect">
+            <a:avLst/>
+          </a:prstGeom>
+        </p:spPr>
+      </p:pic>
+    </p:spTree>
+    <p:extLst>
+      <p:ext uri="{BB962C8B-B14F-4D97-AF65-F5344CB8AC3E}">
+        <p14:creationId xmlns:p14="http://schemas.microsoft.com/office/powerpoint/2010/main" val="1947650252"/>
+      </p:ext>
+    </p:extLst>
+  </p:cSld>
+  <p:clrMapOvr>
+    <a:masterClrMapping/>
+  </p:clrMapOvr>
+  <p:timing>
+    <p:tnLst>
+      <p:par>
+        <p:cTn xmlns:p14="http://schemas.microsoft.com/office/powerpoint/2010/main" id="1" dur="indefinite" restart="never" nodeType="tmRoot">
+          <p:childTnLst>
+            <p:seq concurrent="1" nextAc="seek">
+              <p:cTn id="2" dur="indefinite" nodeType="mainSeq">
+                <p:childTnLst>
+                  <p:par>
+                    <p:cTn id="3" fill="hold">
+                      <p:stCondLst>
+                        <p:cond delay="indefinite"/>
+                      </p:stCondLst>
+                      <p:childTnLst>
+                        <p:par>
+                          <p:cTn id="4" fill="hold">
+                            <p:stCondLst>
+                              <p:cond delay="0"/>
+                            </p:stCondLst>
+                            <p:childTnLst>
+                              <p:par>
+                                <p:cTn id="5" presetID="6" presetClass="emph" presetSubtype="0" fill="hold" nodeType="clickEffect">
+                                  <p:stCondLst>
+                                    <p:cond delay="0"/>
+                                  </p:stCondLst>
+                                  <p:childTnLst>
+                                    <p:animScale>
+                                      <p:cBhvr>
+                                        <p:cTn id="6" dur="2000" fill="hold"/>
+                                        <p:tgtEl>
+                                          <p:spTgt spid="9"/>
+                                        </p:tgtEl>
+                                      </p:cBhvr>
+                                      <p:by x="150000" y="150000"/>
+                                    </p:animScale>
+                                  </p:childTnLst>
+                                </p:cTn>
+                              </p:par>
+                              <p:par>
+                                <p:cTn id="7" presetID="0" presetClass="path" presetSubtype="0" accel="50000" decel="50000" fill="hold" nodeType="withEffect">
+                                  <p:stCondLst>
+                                    <p:cond delay="0"/>
+                                  </p:stCondLst>
+                                  <p:childTnLst>
+                                    <p:animMotion origin="layout" path="M -1.88607E-6 -5.19926E-6 L -1.88607E-6 0.37998 " pathEditMode="relative" ptsTypes="AA">
+                                      <p:cBhvr>
+                                        <p:cTn id="8" dur="2000" fill="hold"/>
+                                        <p:tgtEl>
+                                          <p:spTgt spid="9"/>
+                                        </p:tgtEl>
+                                        <p:attrNameLst>
+                                          <p:attrName>ppt_x</p:attrName>
+                                          <p:attrName>ppt_y</p:attrName>
+                                        </p:attrNameLst>
+                                      </p:cBhvr>
+                                    </p:animMotion>
+                                  </p:childTnLst>
+                                </p:cTn>
+                              </p:par>
+                            </p:childTnLst>
+                          </p:cTn>
+                        </p:par>
+                      </p:childTnLst>
+                    </p:cTn>
+                  </p:par>
+                  <p:par>
+                    <p:cTn id="9" fill="hold">
+                      <p:stCondLst>
+                        <p:cond delay="indefinite"/>
+                      </p:stCondLst>
+                      <p:childTnLst>
+                        <p:par>
+                          <p:cTn id="10" fill="hold">
+                            <p:stCondLst>
+                              <p:cond delay="0"/>
+                            </p:stCondLst>
+                            <p:childTnLst>
+                              <p:par>
+                                <p:cTn id="11" presetID="6" presetClass="emph" presetSubtype="0" fill="hold" nodeType="clickEffect">
+                                  <p:stCondLst>
+                                    <p:cond delay="0"/>
+                                  </p:stCondLst>
+                                  <p:childTnLst>
+                                    <p:animScale>
+                                      <p:cBhvr>
+                                        <p:cTn id="12" dur="2000" fill="hold"/>
+                                        <p:tgtEl>
+                                          <p:spTgt spid="9"/>
+                                        </p:tgtEl>
+                                      </p:cBhvr>
+                                      <p:by x="50000" y="50000"/>
+                                    </p:animScale>
+                                  </p:childTnLst>
+                                </p:cTn>
+                              </p:par>
+                              <p:par>
+                                <p:cTn id="13" presetID="0" presetClass="path" presetSubtype="0" accel="50000" decel="50000" fill="hold" nodeType="withEffect">
+                                  <p:stCondLst>
+                                    <p:cond delay="0"/>
+                                  </p:stCondLst>
+                                  <p:childTnLst>
+                                    <p:animMotion origin="layout" path="M -3.00104E-6 0.37998 L -3.00104E-6 -0.00023 " pathEditMode="relative" ptsTypes="AA">
+                                      <p:cBhvr>
+                                        <p:cTn id="14" dur="2000" fill="hold"/>
+                                        <p:tgtEl>
+                                          <p:spTgt spid="9"/>
+                                        </p:tgtEl>
+                                        <p:attrNameLst>
+                                          <p:attrName>ppt_x</p:attrName>
+                                          <p:attrName>ppt_y</p:attrName>
+                                        </p:attrNameLst>
+                                      </p:cBhvr>
+                                    </p:animMotion>
+                                  </p:childTnLst>
+                                </p:cTn>
+                              </p:par>
+                              <p:par>
+                                <p:cTn id="15" presetID="6" presetClass="emph" presetSubtype="0" fill="hold" nodeType="withEffect">
+                                  <p:stCondLst>
+                                    <p:cond delay="0"/>
+                                  </p:stCondLst>
+                                  <p:childTnLst>
+                                    <p:animScale>
+                                      <p:cBhvr>
+                                        <p:cTn id="16" dur="2000" fill="hold"/>
+                                        <p:tgtEl>
+                                          <p:spTgt spid="10"/>
+                                        </p:tgtEl>
+                                      </p:cBhvr>
+                                      <p:by x="150000" y="150000"/>
+                                    </p:animScale>
+                                  </p:childTnLst>
+                                </p:cTn>
+                              </p:par>
+                            </p:childTnLst>
+                          </p:cTn>
+                        </p:par>
+                      </p:childTnLst>
+                    </p:cTn>
+                  </p:par>
+                  <p:par>
+                    <p:cTn id="17" fill="hold">
+                      <p:stCondLst>
+                        <p:cond delay="indefinite"/>
+                      </p:stCondLst>
+                      <p:childTnLst>
+                        <p:par>
+                          <p:cTn id="18" fill="hold">
+                            <p:stCondLst>
+                              <p:cond delay="0"/>
+                            </p:stCondLst>
+                            <p:childTnLst>
+                              <p:par>
+                                <p:cTn id="19" presetID="6" presetClass="emph" presetSubtype="0" fill="hold" nodeType="clickEffect">
+                                  <p:stCondLst>
+                                    <p:cond delay="0"/>
+                                  </p:stCondLst>
+                                  <p:childTnLst>
+                                    <p:animScale>
+                                      <p:cBhvr>
+                                        <p:cTn id="20" dur="2000" fill="hold"/>
+                                        <p:tgtEl>
+                                          <p:spTgt spid="10"/>
+                                        </p:tgtEl>
+                                      </p:cBhvr>
+                                      <p:by x="50000" y="50000"/>
+                                    </p:animScale>
+                                  </p:childTnLst>
+                                </p:cTn>
+                              </p:par>
+                              <p:par>
+                                <p:cTn id="21" presetID="6" presetClass="emph" presetSubtype="0" fill="hold" nodeType="withEffect">
+                                  <p:stCondLst>
+                                    <p:cond delay="0"/>
+                                  </p:stCondLst>
+                                  <p:childTnLst>
+                                    <p:animScale>
+                                      <p:cBhvr>
+                                        <p:cTn id="22" dur="2000" fill="hold"/>
+                                        <p:tgtEl>
+                                          <p:spTgt spid="11"/>
+                                        </p:tgtEl>
+                                      </p:cBhvr>
+                                      <p:by x="150000" y="150000"/>
+                                    </p:animScale>
+                                  </p:childTnLst>
+                                </p:cTn>
+                              </p:par>
+                              <p:par>
+                                <p:cTn id="23" presetID="0" presetClass="path" presetSubtype="0" accel="50000" decel="50000" fill="hold" nodeType="withEffect">
+                                  <p:stCondLst>
+                                    <p:cond delay="0"/>
+                                  </p:stCondLst>
+                                  <p:childTnLst>
+                                    <p:animMotion origin="layout" path="M -3.00104E-6 6.25579E-6 L -3.00104E-6 -0.34638 " pathEditMode="relative" ptsTypes="AA">
+                                      <p:cBhvr>
+                                        <p:cTn id="24" dur="2000" fill="hold"/>
+                                        <p:tgtEl>
+                                          <p:spTgt spid="11"/>
+                                        </p:tgtEl>
+                                        <p:attrNameLst>
+                                          <p:attrName>ppt_x</p:attrName>
+                                          <p:attrName>ppt_y</p:attrName>
+                                        </p:attrNameLst>
+                                      </p:cBhvr>
+                                    </p:animMotion>
+                                  </p:childTnLst>
+                                </p:cTn>
+                              </p:par>
+                            </p:childTnLst>
+                          </p:cTn>
+                        </p:par>
+                      </p:childTnLst>
+                    </p:cTn>
+                  </p:par>
+                </p:childTnLst>
+              </p:cTn>
+              <p:prevCondLst>
+                <p:cond evt="onPrev" delay="0">
+                  <p:tgtEl>
+                    <p:sldTgt/>
+                  </p:tgtEl>
+                </p:cond>
+              </p:prevCondLst>
+              <p:nextCondLst>
+                <p:cond evt="onNext" delay="0">
+                  <p:tgtEl>
+                    <p:sldTgt/>
+                  </p:tgtEl>
+                </p:cond>
+              </p:nextCondLst>
+            </p:seq>
+          </p:childTnLst>
+        </p:cTn>
+      </p:par>
+    </p:tnLst>
+  </p:timing>
+</p:sld>
+</file>
+
+<file path=ppt/slides/slide12.xml><?xml version="1.0" encoding="utf-8"?>
+<p:sld xmlns:a="http://schemas.openxmlformats.org/drawingml/2006/main" xmlns:r="http://schemas.openxmlformats.org/officeDocument/2006/relationships" xmlns:p="http://schemas.openxmlformats.org/presentationml/2006/main">
+  <p:cSld>
+    <p:bg>
+      <p:bgPr>
+        <a:blipFill rotWithShape="1">
+          <a:blip r:embed="rId2">
+            <a:alphaModFix amt="25000"/>
+          </a:blip>
+          <a:stretch>
+            <a:fillRect/>
+          </a:stretch>
+        </a:blipFill>
+        <a:effectLst/>
+      </p:bgPr>
+    </p:bg>
+    <p:spTree>
+      <p:nvGrpSpPr>
+        <p:cNvPr id="1" name=""/>
+        <p:cNvGrpSpPr/>
+        <p:nvPr/>
+      </p:nvGrpSpPr>
+      <p:grpSpPr>
+        <a:xfrm>
+          <a:off x="0" y="0"/>
+          <a:ext cx="0" cy="0"/>
+          <a:chOff x="0" y="0"/>
+          <a:chExt cx="0" cy="0"/>
+        </a:xfrm>
+      </p:grpSpPr>
+      <p:sp>
+        <p:nvSpPr>
+          <p:cNvPr id="2" name="Titel 1"/>
+          <p:cNvSpPr>
+            <a:spLocks noGrp="1"/>
+          </p:cNvSpPr>
+          <p:nvPr>
+            <p:ph type="title"/>
+          </p:nvPr>
+        </p:nvSpPr>
+        <p:spPr>
+          <a:xfrm>
+            <a:off x="457200" y="417370"/>
+            <a:ext cx="8229600" cy="2969490"/>
+          </a:xfrm>
+        </p:spPr>
+        <p:txBody>
+          <a:bodyPr/>
+          <a:lstStyle/>
+          <a:p>
+            <a:r>
+              <a:rPr lang="de-DE" dirty="0" smtClean="0"/>
+              <a:t>Demo</a:t>
+            </a:r>
+            <a:endParaRPr lang="de-DE" dirty="0"/>
+          </a:p>
+        </p:txBody>
+      </p:sp>
+      <p:sp>
+        <p:nvSpPr>
+          <p:cNvPr id="4" name="Datumsplatzhalter 3"/>
+          <p:cNvSpPr>
+            <a:spLocks noGrp="1"/>
+          </p:cNvSpPr>
+          <p:nvPr>
+            <p:ph type="dt" sz="half" idx="10"/>
+          </p:nvPr>
+        </p:nvSpPr>
+        <p:spPr/>
+        <p:txBody>
+          <a:bodyPr/>
+          <a:lstStyle/>
+          <a:p>
+            <a:r>
+              <a:rPr lang="de-DE" smtClean="0"/>
+              <a:t>13.11.17</a:t>
+            </a:r>
+            <a:endParaRPr lang="en-US"/>
+          </a:p>
+        </p:txBody>
+      </p:sp>
+      <p:sp>
+        <p:nvSpPr>
+          <p:cNvPr id="5" name="Fußzeilenplatzhalter 4"/>
+          <p:cNvSpPr>
+            <a:spLocks noGrp="1"/>
+          </p:cNvSpPr>
+          <p:nvPr>
+            <p:ph type="ftr" sz="quarter" idx="11"/>
+          </p:nvPr>
+        </p:nvSpPr>
+        <p:spPr/>
+        <p:txBody>
+          <a:bodyPr/>
+          <a:lstStyle/>
+          <a:p>
+            <a:r>
+              <a:rPr lang="en-US" smtClean="0"/>
+              <a:t>Watch Tycoon 2017</a:t>
+            </a:r>
+            <a:endParaRPr lang="en-US"/>
+          </a:p>
+        </p:txBody>
+      </p:sp>
+    </p:spTree>
+    <p:extLst>
+      <p:ext uri="{BB962C8B-B14F-4D97-AF65-F5344CB8AC3E}">
+        <p14:creationId xmlns:p14="http://schemas.microsoft.com/office/powerpoint/2010/main" val="3249305254"/>
+      </p:ext>
+    </p:extLst>
+  </p:cSld>
+  <p:clrMapOvr>
+    <a:masterClrMapping/>
+  </p:clrMapOvr>
+  <p:timing>
+    <p:tnLst>
+      <p:par>
+        <p:cTn xmlns:p14="http://schemas.microsoft.com/office/powerpoint/2010/main" id="1" dur="indefinite" restart="never" nodeType="tmRoot"/>
+      </p:par>
+    </p:tnLst>
+  </p:timing>
+</p:sld>
+</file>
+
+<file path=ppt/slides/slide13.xml><?xml version="1.0" encoding="utf-8"?>
+<p:sld xmlns:a="http://schemas.openxmlformats.org/drawingml/2006/main" xmlns:r="http://schemas.openxmlformats.org/officeDocument/2006/relationships" xmlns:p="http://schemas.openxmlformats.org/presentationml/2006/main">
+  <p:cSld>
+    <p:bg>
+      <p:bgPr>
+        <a:blipFill rotWithShape="1">
+          <a:blip r:embed="rId2">
+            <a:alphaModFix amt="25000"/>
+          </a:blip>
+          <a:stretch>
+            <a:fillRect/>
+          </a:stretch>
+        </a:blipFill>
+        <a:effectLst/>
+      </p:bgPr>
+    </p:bg>
+    <p:spTree>
+      <p:nvGrpSpPr>
+        <p:cNvPr id="1" name=""/>
+        <p:cNvGrpSpPr/>
+        <p:nvPr/>
+      </p:nvGrpSpPr>
+      <p:grpSpPr>
+        <a:xfrm>
+          <a:off x="0" y="0"/>
+          <a:ext cx="0" cy="0"/>
+          <a:chOff x="0" y="0"/>
+          <a:chExt cx="0" cy="0"/>
+        </a:xfrm>
+      </p:grpSpPr>
+      <p:sp>
+        <p:nvSpPr>
+          <p:cNvPr id="2" name="Titel 1"/>
+          <p:cNvSpPr>
+            <a:spLocks noGrp="1"/>
+          </p:cNvSpPr>
+          <p:nvPr>
+            <p:ph type="title"/>
+          </p:nvPr>
+        </p:nvSpPr>
+        <p:spPr>
+          <a:xfrm>
+            <a:off x="457200" y="417370"/>
+            <a:ext cx="8229600" cy="2969490"/>
+          </a:xfrm>
+        </p:spPr>
+        <p:txBody>
+          <a:bodyPr/>
+          <a:lstStyle/>
+          <a:p>
+            <a:r>
+              <a:rPr lang="de-DE" dirty="0" smtClean="0"/>
+              <a:t>Fazit</a:t>
+            </a:r>
+            <a:endParaRPr lang="de-DE" dirty="0"/>
+          </a:p>
+        </p:txBody>
+      </p:sp>
+      <p:sp>
+        <p:nvSpPr>
+          <p:cNvPr id="4" name="Datumsplatzhalter 3"/>
+          <p:cNvSpPr>
+            <a:spLocks noGrp="1"/>
+          </p:cNvSpPr>
+          <p:nvPr>
+            <p:ph type="dt" sz="half" idx="10"/>
+          </p:nvPr>
+        </p:nvSpPr>
+        <p:spPr/>
+        <p:txBody>
+          <a:bodyPr/>
+          <a:lstStyle/>
+          <a:p>
+            <a:r>
+              <a:rPr lang="de-DE" smtClean="0"/>
+              <a:t>13.11.17</a:t>
+            </a:r>
+            <a:endParaRPr lang="en-US"/>
+          </a:p>
+        </p:txBody>
+      </p:sp>
+      <p:sp>
+        <p:nvSpPr>
+          <p:cNvPr id="5" name="Fußzeilenplatzhalter 4"/>
+          <p:cNvSpPr>
+            <a:spLocks noGrp="1"/>
+          </p:cNvSpPr>
+          <p:nvPr>
+            <p:ph type="ftr" sz="quarter" idx="11"/>
+          </p:nvPr>
+        </p:nvSpPr>
+        <p:spPr/>
+        <p:txBody>
+          <a:bodyPr/>
+          <a:lstStyle/>
+          <a:p>
+            <a:r>
+              <a:rPr lang="en-US" smtClean="0"/>
+              <a:t>Watch Tycoon 2017</a:t>
+            </a:r>
+            <a:endParaRPr lang="en-US"/>
+          </a:p>
+        </p:txBody>
+      </p:sp>
+    </p:spTree>
+    <p:extLst>
+      <p:ext uri="{BB962C8B-B14F-4D97-AF65-F5344CB8AC3E}">
+        <p14:creationId xmlns:p14="http://schemas.microsoft.com/office/powerpoint/2010/main" val="2931482678"/>
+      </p:ext>
+    </p:extLst>
+  </p:cSld>
+  <p:clrMapOvr>
+    <a:masterClrMapping/>
+  </p:clrMapOvr>
+  <p:timing>
+    <p:tnLst>
+      <p:par>
+        <p:cTn xmlns:p14="http://schemas.microsoft.com/office/powerpoint/2010/main" id="1" dur="indefinite" restart="never" nodeType="tmRoot"/>
+      </p:par>
+    </p:tnLst>
+  </p:timing>
+</p:sld>
+</file>
+
+<file path=ppt/slides/slide14.xml><?xml version="1.0" encoding="utf-8"?>
+<p:sld xmlns:a="http://schemas.openxmlformats.org/drawingml/2006/main" xmlns:r="http://schemas.openxmlformats.org/officeDocument/2006/relationships" xmlns:p="http://schemas.openxmlformats.org/presentationml/2006/main">
+  <p:cSld>
+    <p:bg>
+      <p:bgPr>
+        <a:blipFill rotWithShape="1">
+          <a:blip r:embed="rId2">
+            <a:alphaModFix amt="25000"/>
+          </a:blip>
+          <a:stretch>
+            <a:fillRect/>
+          </a:stretch>
+        </a:blipFill>
+        <a:effectLst/>
+      </p:bgPr>
+    </p:bg>
+    <p:spTree>
+      <p:nvGrpSpPr>
+        <p:cNvPr id="1" name=""/>
+        <p:cNvGrpSpPr/>
+        <p:nvPr/>
+      </p:nvGrpSpPr>
+      <p:grpSpPr>
+        <a:xfrm>
+          <a:off x="0" y="0"/>
+          <a:ext cx="0" cy="0"/>
+          <a:chOff x="0" y="0"/>
+          <a:chExt cx="0" cy="0"/>
+        </a:xfrm>
+      </p:grpSpPr>
+      <p:sp>
+        <p:nvSpPr>
+          <p:cNvPr id="3" name="Inhaltsplatzhalter 2"/>
+          <p:cNvSpPr>
+            <a:spLocks noGrp="1"/>
+          </p:cNvSpPr>
+          <p:nvPr>
+            <p:ph idx="1"/>
+          </p:nvPr>
+        </p:nvSpPr>
+        <p:spPr>
+          <a:xfrm>
+            <a:off x="457200" y="219520"/>
+            <a:ext cx="8229600" cy="5906644"/>
+          </a:xfrm>
+        </p:spPr>
+        <p:txBody>
+          <a:bodyPr>
+            <a:normAutofit/>
+          </a:bodyPr>
+          <a:lstStyle/>
+          <a:p>
+            <a:pPr marL="0" indent="0" algn="ctr">
+              <a:buNone/>
+            </a:pPr>
+            <a:endParaRPr lang="de-DE" sz="3200" dirty="0" smtClean="0"/>
+          </a:p>
+          <a:p>
+            <a:pPr marL="0" indent="0" algn="ctr">
+              <a:buNone/>
+            </a:pPr>
+            <a:endParaRPr lang="de-DE" sz="3200" dirty="0"/>
+          </a:p>
+          <a:p>
+            <a:pPr marL="0" indent="0" algn="ctr">
+              <a:buNone/>
+            </a:pPr>
+            <a:endParaRPr lang="de-DE" sz="3200" dirty="0" smtClean="0"/>
+          </a:p>
+          <a:p>
+            <a:pPr marL="0" indent="0" algn="ctr">
+              <a:buNone/>
+            </a:pPr>
+            <a:endParaRPr lang="de-DE" sz="3200" dirty="0"/>
+          </a:p>
+          <a:p>
+            <a:pPr marL="0" indent="0" algn="ctr">
+              <a:buNone/>
+            </a:pPr>
+            <a:r>
+              <a:rPr lang="de-DE" sz="3200" dirty="0" smtClean="0"/>
+              <a:t>Vielen Dank für eure Aufmerksamkeit!</a:t>
+            </a:r>
+            <a:endParaRPr lang="de-DE" sz="3200" dirty="0"/>
+          </a:p>
+        </p:txBody>
+      </p:sp>
+      <p:sp>
+        <p:nvSpPr>
+          <p:cNvPr id="4" name="Datumsplatzhalter 3"/>
+          <p:cNvSpPr>
+            <a:spLocks noGrp="1"/>
+          </p:cNvSpPr>
+          <p:nvPr>
+            <p:ph type="dt" sz="half" idx="10"/>
+          </p:nvPr>
+        </p:nvSpPr>
+        <p:spPr/>
+        <p:txBody>
+          <a:bodyPr/>
+          <a:lstStyle/>
+          <a:p>
+            <a:r>
+              <a:rPr lang="de-DE" smtClean="0"/>
+              <a:t>13.11.17</a:t>
+            </a:r>
+            <a:endParaRPr lang="en-US"/>
+          </a:p>
+        </p:txBody>
+      </p:sp>
+      <p:sp>
+        <p:nvSpPr>
+          <p:cNvPr id="5" name="Fußzeilenplatzhalter 4"/>
+          <p:cNvSpPr>
+            <a:spLocks noGrp="1"/>
+          </p:cNvSpPr>
+          <p:nvPr>
+            <p:ph type="ftr" sz="quarter" idx="11"/>
+          </p:nvPr>
+        </p:nvSpPr>
+        <p:spPr/>
+        <p:txBody>
+          <a:bodyPr/>
+          <a:lstStyle/>
+          <a:p>
+            <a:r>
+              <a:rPr lang="en-US" smtClean="0"/>
+              <a:t>Watch Tycoon 2017</a:t>
+            </a:r>
+            <a:endParaRPr lang="en-US"/>
+          </a:p>
+        </p:txBody>
+      </p:sp>
+    </p:spTree>
+    <p:extLst>
+      <p:ext uri="{BB962C8B-B14F-4D97-AF65-F5344CB8AC3E}">
+        <p14:creationId xmlns:p14="http://schemas.microsoft.com/office/powerpoint/2010/main" val="3794338317"/>
+      </p:ext>
+    </p:extLst>
+  </p:cSld>
+  <p:clrMapOvr>
+    <a:masterClrMapping/>
+  </p:clrMapOvr>
+  <p:timing>
+    <p:tnLst>
+      <p:par>
+        <p:cTn xmlns:p14="http://schemas.microsoft.com/office/powerpoint/2010/main" id="1" dur="indefinite" restart="never" nodeType="tmRoot"/>
+      </p:par>
+    </p:tnLst>
+  </p:timing>
+</p:sld>
+</file>
+
 <file path=ppt/slides/slide2.xml><?xml version="1.0" encoding="utf-8"?>
 <p:sld xmlns:a="http://schemas.openxmlformats.org/drawingml/2006/main" xmlns:r="http://schemas.openxmlformats.org/officeDocument/2006/relationships" xmlns:p="http://schemas.openxmlformats.org/presentationml/2006/main">
   <p:cSld>
@@ -4065,7 +5049,12 @@
             <p:ph type="title"/>
           </p:nvPr>
         </p:nvSpPr>
-        <p:spPr/>
+        <p:spPr>
+          <a:xfrm>
+            <a:off x="457200" y="-533541"/>
+            <a:ext cx="8229600" cy="1600200"/>
+          </a:xfrm>
+        </p:spPr>
         <p:txBody>
           <a:bodyPr/>
           <a:lstStyle/>
@@ -4088,17 +5077,30 @@
             <p:ph idx="1"/>
           </p:nvPr>
         </p:nvSpPr>
-        <p:spPr/>
-        <p:txBody>
-          <a:bodyPr/>
-          <a:lstStyle/>
+        <p:spPr>
+          <a:xfrm>
+            <a:off x="457200" y="1364576"/>
+            <a:ext cx="8229600" cy="4525963"/>
+          </a:xfrm>
+        </p:spPr>
+        <p:txBody>
+          <a:bodyPr>
+            <a:normAutofit fontScale="92500" lnSpcReduction="20000"/>
+          </a:bodyPr>
+          <a:lstStyle/>
+          <a:p>
+            <a:r>
+              <a:rPr lang="de-DE" dirty="0" smtClean="0"/>
+              <a:t>Architektur</a:t>
+            </a:r>
+          </a:p>
           <a:p>
             <a:endParaRPr lang="de-DE" dirty="0" smtClean="0"/>
           </a:p>
           <a:p>
             <a:r>
               <a:rPr lang="de-DE" dirty="0" smtClean="0"/>
-              <a:t>Klassendiagramm „Unternehmenssimulation“</a:t>
+              <a:t>Ablaufdiagramm</a:t>
             </a:r>
           </a:p>
           <a:p>
@@ -4106,9 +5108,23 @@
           </a:p>
           <a:p>
             <a:r>
+              <a:rPr lang="de-DE" dirty="0" err="1" smtClean="0"/>
+              <a:t>Use</a:t>
+            </a:r>
+            <a:r>
               <a:rPr lang="de-DE" dirty="0" smtClean="0"/>
-              <a:t>Architektur &amp; Entwicklungsumgebung</a:t>
-            </a:r>
+              <a:t>-Case-Diagramm</a:t>
+            </a:r>
+          </a:p>
+          <a:p>
+            <a:endParaRPr lang="de-DE" dirty="0"/>
+          </a:p>
+          <a:p>
+            <a:r>
+              <a:rPr lang="de-DE" dirty="0" smtClean="0"/>
+              <a:t>Markt</a:t>
+            </a:r>
+            <a:endParaRPr lang="de-DE" dirty="0" smtClean="0"/>
           </a:p>
           <a:p>
             <a:endParaRPr lang="de-DE" dirty="0" smtClean="0"/>
@@ -4135,6 +5151,17 @@
               <a:rPr lang="de-DE" dirty="0" smtClean="0"/>
               <a:t>Demo</a:t>
             </a:r>
+          </a:p>
+          <a:p>
+            <a:endParaRPr lang="de-DE" dirty="0"/>
+          </a:p>
+          <a:p>
+            <a:r>
+              <a:rPr lang="de-DE" dirty="0" smtClean="0"/>
+              <a:t>Fazit</a:t>
+            </a:r>
+          </a:p>
+          <a:p>
             <a:endParaRPr lang="de-DE" dirty="0"/>
           </a:p>
         </p:txBody>
@@ -4195,6 +5222,13 @@
   <p:clrMapOvr>
     <a:masterClrMapping/>
   </p:clrMapOvr>
+  <p:timing>
+    <p:tnLst>
+      <p:par>
+        <p:cTn xmlns:p14="http://schemas.microsoft.com/office/powerpoint/2010/main" id="1" dur="indefinite" restart="never" nodeType="tmRoot"/>
+      </p:par>
+    </p:tnLst>
+  </p:timing>
 </p:sld>
 </file>
 
@@ -4217,6 +5251,29 @@
       </p:grpSpPr>
       <p:sp>
         <p:nvSpPr>
+          <p:cNvPr id="2" name="Titel 1"/>
+          <p:cNvSpPr>
+            <a:spLocks noGrp="1"/>
+          </p:cNvSpPr>
+          <p:nvPr>
+            <p:ph type="title"/>
+          </p:nvPr>
+        </p:nvSpPr>
+        <p:spPr/>
+        <p:txBody>
+          <a:bodyPr/>
+          <a:lstStyle/>
+          <a:p>
+            <a:r>
+              <a:rPr lang="de-DE" dirty="0" smtClean="0"/>
+              <a:t>Architektur</a:t>
+            </a:r>
+            <a:endParaRPr lang="de-DE" dirty="0"/>
+          </a:p>
+        </p:txBody>
+      </p:sp>
+      <p:sp>
+        <p:nvSpPr>
           <p:cNvPr id="4" name="Datumsplatzhalter 3"/>
           <p:cNvSpPr>
             <a:spLocks noGrp="1"/>
@@ -4263,14 +5320,14 @@
       </p:sp>
       <p:pic>
         <p:nvPicPr>
-          <p:cNvPr id="8" name="Bild 7" descr="Unternehmenssimmulation_final.png"/>
+          <p:cNvPr id="8" name="Bild 7" descr="3-schichten-modell.jpeg"/>
           <p:cNvPicPr>
             <a:picLocks noChangeAspect="1"/>
           </p:cNvPicPr>
           <p:nvPr/>
         </p:nvPicPr>
         <p:blipFill>
-          <a:blip r:embed="rId2" cstate="print">
+          <a:blip r:embed="rId2">
             <a:extLst>
               <a:ext uri="{28A0092B-C50C-407E-A947-70E740481C1C}">
                 <a14:useLocalDpi xmlns:a14="http://schemas.microsoft.com/office/drawing/2010/main" val="0"/>
@@ -4283,8 +5340,8 @@
         </p:blipFill>
         <p:spPr>
           <a:xfrm>
-            <a:off x="2336799" y="0"/>
-            <a:ext cx="5047383" cy="6858000"/>
+            <a:off x="1173077" y="1600200"/>
+            <a:ext cx="6574375" cy="4756150"/>
           </a:xfrm>
           <a:prstGeom prst="rect">
             <a:avLst/>
@@ -4294,13 +5351,20 @@
     </p:spTree>
     <p:extLst>
       <p:ext uri="{BB962C8B-B14F-4D97-AF65-F5344CB8AC3E}">
-        <p14:creationId xmlns:p14="http://schemas.microsoft.com/office/powerpoint/2010/main" val="1862449899"/>
+        <p14:creationId xmlns:p14="http://schemas.microsoft.com/office/powerpoint/2010/main" val="2147145723"/>
       </p:ext>
     </p:extLst>
   </p:cSld>
   <p:clrMapOvr>
     <a:masterClrMapping/>
   </p:clrMapOvr>
+  <p:timing>
+    <p:tnLst>
+      <p:par>
+        <p:cTn xmlns:p14="http://schemas.microsoft.com/office/powerpoint/2010/main" id="1" dur="indefinite" restart="never" nodeType="tmRoot"/>
+      </p:par>
+    </p:tnLst>
+  </p:timing>
 </p:sld>
 </file>
 
@@ -4344,35 +5408,21 @@
             <p:ph type="title"/>
           </p:nvPr>
         </p:nvSpPr>
-        <p:spPr/>
+        <p:spPr>
+          <a:xfrm>
+            <a:off x="457200" y="417370"/>
+            <a:ext cx="8229600" cy="2969490"/>
+          </a:xfrm>
+        </p:spPr>
         <p:txBody>
           <a:bodyPr/>
           <a:lstStyle/>
           <a:p>
             <a:r>
               <a:rPr lang="de-DE" dirty="0" smtClean="0"/>
-              <a:t>Architektur &amp; Entwicklungsumgebung</a:t>
+              <a:t>Ablaufdiagramm</a:t>
             </a:r>
             <a:endParaRPr lang="de-DE" dirty="0"/>
-          </a:p>
-        </p:txBody>
-      </p:sp>
-      <p:sp>
-        <p:nvSpPr>
-          <p:cNvPr id="3" name="Inhaltsplatzhalter 2"/>
-          <p:cNvSpPr>
-            <a:spLocks noGrp="1"/>
-          </p:cNvSpPr>
-          <p:nvPr>
-            <p:ph idx="1"/>
-          </p:nvPr>
-        </p:nvSpPr>
-        <p:spPr/>
-        <p:txBody>
-          <a:bodyPr/>
-          <a:lstStyle/>
-          <a:p>
-            <a:endParaRPr lang="de-DE"/>
           </a:p>
         </p:txBody>
       </p:sp>
@@ -4425,32 +5475,26 @@
     </p:spTree>
     <p:extLst>
       <p:ext uri="{BB962C8B-B14F-4D97-AF65-F5344CB8AC3E}">
-        <p14:creationId xmlns:p14="http://schemas.microsoft.com/office/powerpoint/2010/main" val="2147145723"/>
+        <p14:creationId xmlns:p14="http://schemas.microsoft.com/office/powerpoint/2010/main" val="4292729681"/>
       </p:ext>
     </p:extLst>
   </p:cSld>
   <p:clrMapOvr>
     <a:masterClrMapping/>
   </p:clrMapOvr>
+  <p:timing>
+    <p:tnLst>
+      <p:par>
+        <p:cTn xmlns:p14="http://schemas.microsoft.com/office/powerpoint/2010/main" id="1" dur="indefinite" restart="never" nodeType="tmRoot"/>
+      </p:par>
+    </p:tnLst>
+  </p:timing>
 </p:sld>
 </file>
 
 <file path=ppt/slides/slide5.xml><?xml version="1.0" encoding="utf-8"?>
 <p:sld xmlns:a="http://schemas.openxmlformats.org/drawingml/2006/main" xmlns:r="http://schemas.openxmlformats.org/officeDocument/2006/relationships" xmlns:p="http://schemas.openxmlformats.org/presentationml/2006/main">
   <p:cSld>
-    <p:bg>
-      <p:bgPr>
-        <a:blipFill rotWithShape="1">
-          <a:blip r:embed="rId2">
-            <a:alphaModFix amt="25000"/>
-          </a:blip>
-          <a:stretch>
-            <a:fillRect/>
-          </a:stretch>
-        </a:blipFill>
-        <a:effectLst/>
-      </p:bgPr>
-    </p:bg>
     <p:spTree>
       <p:nvGrpSpPr>
         <p:cNvPr id="1" name=""/>
@@ -4467,52 +5511,6 @@
       </p:grpSpPr>
       <p:sp>
         <p:nvSpPr>
-          <p:cNvPr id="2" name="Titel 1"/>
-          <p:cNvSpPr>
-            <a:spLocks noGrp="1"/>
-          </p:cNvSpPr>
-          <p:nvPr>
-            <p:ph type="title"/>
-          </p:nvPr>
-        </p:nvSpPr>
-        <p:spPr/>
-        <p:txBody>
-          <a:bodyPr/>
-          <a:lstStyle/>
-          <a:p>
-            <a:r>
-              <a:rPr lang="de-DE" dirty="0" err="1" smtClean="0"/>
-              <a:t>JUnit</a:t>
-            </a:r>
-            <a:r>
-              <a:rPr lang="de-DE" dirty="0" smtClean="0"/>
-              <a:t>-Tests</a:t>
-            </a:r>
-            <a:endParaRPr lang="de-DE" dirty="0"/>
-          </a:p>
-        </p:txBody>
-      </p:sp>
-      <p:sp>
-        <p:nvSpPr>
-          <p:cNvPr id="3" name="Inhaltsplatzhalter 2"/>
-          <p:cNvSpPr>
-            <a:spLocks noGrp="1"/>
-          </p:cNvSpPr>
-          <p:nvPr>
-            <p:ph idx="1"/>
-          </p:nvPr>
-        </p:nvSpPr>
-        <p:spPr/>
-        <p:txBody>
-          <a:bodyPr/>
-          <a:lstStyle/>
-          <a:p>
-            <a:endParaRPr lang="de-DE"/>
-          </a:p>
-        </p:txBody>
-      </p:sp>
-      <p:sp>
-        <p:nvSpPr>
           <p:cNvPr id="4" name="Datumsplatzhalter 3"/>
           <p:cNvSpPr>
             <a:spLocks noGrp="1"/>
@@ -4557,16 +5555,53 @@
           </a:p>
         </p:txBody>
       </p:sp>
+      <p:pic>
+        <p:nvPicPr>
+          <p:cNvPr id="6" name="Bild 5" descr="Spielablauf.png"/>
+          <p:cNvPicPr>
+            <a:picLocks noChangeAspect="1"/>
+          </p:cNvPicPr>
+          <p:nvPr/>
+        </p:nvPicPr>
+        <p:blipFill>
+          <a:blip r:embed="rId2">
+            <a:extLst>
+              <a:ext uri="{28A0092B-C50C-407E-A947-70E740481C1C}">
+                <a14:useLocalDpi xmlns:a14="http://schemas.microsoft.com/office/drawing/2010/main" val="0"/>
+              </a:ext>
+            </a:extLst>
+          </a:blip>
+          <a:stretch>
+            <a:fillRect/>
+          </a:stretch>
+        </p:blipFill>
+        <p:spPr>
+          <a:xfrm>
+            <a:off x="1409701" y="0"/>
+            <a:ext cx="5943126" cy="6450466"/>
+          </a:xfrm>
+          <a:prstGeom prst="rect">
+            <a:avLst/>
+          </a:prstGeom>
+        </p:spPr>
+      </p:pic>
     </p:spTree>
     <p:extLst>
       <p:ext uri="{BB962C8B-B14F-4D97-AF65-F5344CB8AC3E}">
-        <p14:creationId xmlns:p14="http://schemas.microsoft.com/office/powerpoint/2010/main" val="1670040334"/>
+        <p14:creationId xmlns:p14="http://schemas.microsoft.com/office/powerpoint/2010/main" val="3435185722"/>
       </p:ext>
     </p:extLst>
   </p:cSld>
   <p:clrMapOvr>
     <a:masterClrMapping/>
   </p:clrMapOvr>
+  <p:timing>
+    <p:tnLst>
+      <p:par>
+        <p:cTn xmlns:p14="http://schemas.microsoft.com/office/powerpoint/2010/main" id="1" dur="indefinite" restart="never" nodeType="tmRoot"/>
+      </p:par>
+    </p:tnLst>
+  </p:timing>
 </p:sld>
 </file>
 
@@ -4621,8 +5656,12 @@
           <a:lstStyle/>
           <a:p>
             <a:r>
+              <a:rPr lang="de-DE" dirty="0" err="1" smtClean="0"/>
+              <a:t>Use</a:t>
+            </a:r>
+            <a:r>
               <a:rPr lang="de-DE" dirty="0" smtClean="0"/>
-              <a:t>DEMO</a:t>
+              <a:t>-Case Diagramm</a:t>
             </a:r>
             <a:endParaRPr lang="de-DE" dirty="0"/>
           </a:p>
@@ -4677,17 +5716,137 @@
     </p:spTree>
     <p:extLst>
       <p:ext uri="{BB962C8B-B14F-4D97-AF65-F5344CB8AC3E}">
-        <p14:creationId xmlns:p14="http://schemas.microsoft.com/office/powerpoint/2010/main" val="3249305254"/>
+        <p14:creationId xmlns:p14="http://schemas.microsoft.com/office/powerpoint/2010/main" val="2798078300"/>
       </p:ext>
     </p:extLst>
   </p:cSld>
   <p:clrMapOvr>
     <a:masterClrMapping/>
   </p:clrMapOvr>
+  <p:timing>
+    <p:tnLst>
+      <p:par>
+        <p:cTn xmlns:p14="http://schemas.microsoft.com/office/powerpoint/2010/main" id="1" dur="indefinite" restart="never" nodeType="tmRoot"/>
+      </p:par>
+    </p:tnLst>
+  </p:timing>
 </p:sld>
 </file>
 
 <file path=ppt/slides/slide7.xml><?xml version="1.0" encoding="utf-8"?>
+<p:sld xmlns:a="http://schemas.openxmlformats.org/drawingml/2006/main" xmlns:r="http://schemas.openxmlformats.org/officeDocument/2006/relationships" xmlns:p="http://schemas.openxmlformats.org/presentationml/2006/main">
+  <p:cSld>
+    <p:spTree>
+      <p:nvGrpSpPr>
+        <p:cNvPr id="1" name=""/>
+        <p:cNvGrpSpPr/>
+        <p:nvPr/>
+      </p:nvGrpSpPr>
+      <p:grpSpPr>
+        <a:xfrm>
+          <a:off x="0" y="0"/>
+          <a:ext cx="0" cy="0"/>
+          <a:chOff x="0" y="0"/>
+          <a:chExt cx="0" cy="0"/>
+        </a:xfrm>
+      </p:grpSpPr>
+      <p:sp>
+        <p:nvSpPr>
+          <p:cNvPr id="4" name="Datumsplatzhalter 3"/>
+          <p:cNvSpPr>
+            <a:spLocks noGrp="1"/>
+          </p:cNvSpPr>
+          <p:nvPr>
+            <p:ph type="dt" sz="half" idx="10"/>
+          </p:nvPr>
+        </p:nvSpPr>
+        <p:spPr/>
+        <p:txBody>
+          <a:bodyPr/>
+          <a:lstStyle/>
+          <a:p>
+            <a:r>
+              <a:rPr lang="de-DE" smtClean="0"/>
+              <a:t>13.11.17</a:t>
+            </a:r>
+            <a:endParaRPr lang="en-US"/>
+          </a:p>
+        </p:txBody>
+      </p:sp>
+      <p:sp>
+        <p:nvSpPr>
+          <p:cNvPr id="5" name="Fußzeilenplatzhalter 4"/>
+          <p:cNvSpPr>
+            <a:spLocks noGrp="1"/>
+          </p:cNvSpPr>
+          <p:nvPr>
+            <p:ph type="ftr" sz="quarter" idx="11"/>
+          </p:nvPr>
+        </p:nvSpPr>
+        <p:spPr/>
+        <p:txBody>
+          <a:bodyPr/>
+          <a:lstStyle/>
+          <a:p>
+            <a:r>
+              <a:rPr lang="en-US" smtClean="0"/>
+              <a:t>Watch Tycoon 2017</a:t>
+            </a:r>
+            <a:endParaRPr lang="en-US"/>
+          </a:p>
+        </p:txBody>
+      </p:sp>
+      <p:pic>
+        <p:nvPicPr>
+          <p:cNvPr id="2" name="Bild 1" descr="UseCase.png"/>
+          <p:cNvPicPr>
+            <a:picLocks noChangeAspect="1"/>
+          </p:cNvPicPr>
+          <p:nvPr/>
+        </p:nvPicPr>
+        <p:blipFill>
+          <a:blip r:embed="rId2">
+            <a:extLst>
+              <a:ext uri="{28A0092B-C50C-407E-A947-70E740481C1C}">
+                <a14:useLocalDpi xmlns:a14="http://schemas.microsoft.com/office/drawing/2010/main" val="0"/>
+              </a:ext>
+            </a:extLst>
+          </a:blip>
+          <a:stretch>
+            <a:fillRect/>
+          </a:stretch>
+        </p:blipFill>
+        <p:spPr>
+          <a:xfrm>
+            <a:off x="1144651" y="454718"/>
+            <a:ext cx="7113122" cy="5676127"/>
+          </a:xfrm>
+          <a:prstGeom prst="rect">
+            <a:avLst/>
+          </a:prstGeom>
+        </p:spPr>
+      </p:pic>
+    </p:spTree>
+    <p:extLst>
+      <p:ext uri="{BB962C8B-B14F-4D97-AF65-F5344CB8AC3E}">
+        <p14:creationId xmlns:p14="http://schemas.microsoft.com/office/powerpoint/2010/main" val="1862449899"/>
+      </p:ext>
+    </p:extLst>
+  </p:cSld>
+  <p:clrMapOvr>
+    <a:masterClrMapping/>
+  </p:clrMapOvr>
+  <p:timing>
+    <p:tnLst>
+      <p:par>
+        <p:cTn xmlns:p14="http://schemas.microsoft.com/office/powerpoint/2010/main" id="1" dur="indefinite" restart="never" nodeType="tmRoot"/>
+      </p:par>
+    </p:tnLst>
+  </p:timing>
+</p:sld>
+</file>
+
+<file path=ppt/slides/slide8.xml><?xml version="1.0" encoding="utf-8"?>
 <p:sld xmlns:a="http://schemas.openxmlformats.org/drawingml/2006/main" xmlns:r="http://schemas.openxmlformats.org/officeDocument/2006/relationships" xmlns:p="http://schemas.openxmlformats.org/presentationml/2006/main">
   <p:cSld>
     <p:bg>
@@ -4719,58 +5878,29 @@
       </p:grpSpPr>
       <p:sp>
         <p:nvSpPr>
-          <p:cNvPr id="3" name="Inhaltsplatzhalter 2"/>
-          <p:cNvSpPr>
-            <a:spLocks noGrp="1"/>
-          </p:cNvSpPr>
-          <p:nvPr>
-            <p:ph idx="1"/>
+          <p:cNvPr id="2" name="Titel 1"/>
+          <p:cNvSpPr>
+            <a:spLocks noGrp="1"/>
+          </p:cNvSpPr>
+          <p:nvPr>
+            <p:ph type="title"/>
           </p:nvPr>
         </p:nvSpPr>
         <p:spPr>
           <a:xfrm>
-            <a:off x="457200" y="219520"/>
-            <a:ext cx="8229600" cy="5906644"/>
+            <a:off x="457200" y="417370"/>
+            <a:ext cx="8229600" cy="2969490"/>
           </a:xfrm>
         </p:spPr>
         <p:txBody>
-          <a:bodyPr>
-            <a:normAutofit/>
-          </a:bodyPr>
-          <a:lstStyle/>
-          <a:p>
-            <a:pPr marL="0" indent="0" algn="ctr">
-              <a:buNone/>
-            </a:pPr>
-            <a:endParaRPr lang="de-DE" sz="3200" dirty="0" smtClean="0"/>
-          </a:p>
-          <a:p>
-            <a:pPr marL="0" indent="0" algn="ctr">
-              <a:buNone/>
-            </a:pPr>
-            <a:endParaRPr lang="de-DE" sz="3200" dirty="0"/>
-          </a:p>
-          <a:p>
-            <a:pPr marL="0" indent="0" algn="ctr">
-              <a:buNone/>
-            </a:pPr>
-            <a:endParaRPr lang="de-DE" sz="3200" dirty="0" smtClean="0"/>
-          </a:p>
-          <a:p>
-            <a:pPr marL="0" indent="0" algn="ctr">
-              <a:buNone/>
-            </a:pPr>
-            <a:endParaRPr lang="de-DE" sz="3200" dirty="0"/>
-          </a:p>
-          <a:p>
-            <a:pPr marL="0" indent="0" algn="ctr">
-              <a:buNone/>
-            </a:pPr>
-            <a:r>
-              <a:rPr lang="de-DE" sz="3200" dirty="0" smtClean="0"/>
-              <a:t>Vielen Dank für eure Aufmerksamkeit!</a:t>
-            </a:r>
-            <a:endParaRPr lang="de-DE" sz="3200" dirty="0"/>
+          <a:bodyPr/>
+          <a:lstStyle/>
+          <a:p>
+            <a:r>
+              <a:rPr lang="de-DE" dirty="0" smtClean="0"/>
+              <a:t>Markt</a:t>
+            </a:r>
+            <a:endParaRPr lang="de-DE" dirty="0"/>
           </a:p>
         </p:txBody>
       </p:sp>
@@ -4823,7 +5953,120 @@
     </p:spTree>
     <p:extLst>
       <p:ext uri="{BB962C8B-B14F-4D97-AF65-F5344CB8AC3E}">
-        <p14:creationId xmlns:p14="http://schemas.microsoft.com/office/powerpoint/2010/main" val="3794338317"/>
+        <p14:creationId xmlns:p14="http://schemas.microsoft.com/office/powerpoint/2010/main" val="4292729681"/>
+      </p:ext>
+    </p:extLst>
+  </p:cSld>
+  <p:clrMapOvr>
+    <a:masterClrMapping/>
+  </p:clrMapOvr>
+  <p:timing>
+    <p:tnLst>
+      <p:par>
+        <p:cTn xmlns:p14="http://schemas.microsoft.com/office/powerpoint/2010/main" id="1" dur="indefinite" restart="never" nodeType="tmRoot"/>
+      </p:par>
+    </p:tnLst>
+  </p:timing>
+</p:sld>
+</file>
+
+<file path=ppt/slides/slide9.xml><?xml version="1.0" encoding="utf-8"?>
+<p:sld xmlns:a="http://schemas.openxmlformats.org/drawingml/2006/main" xmlns:r="http://schemas.openxmlformats.org/officeDocument/2006/relationships" xmlns:p="http://schemas.openxmlformats.org/presentationml/2006/main">
+  <p:cSld>
+    <p:spTree>
+      <p:nvGrpSpPr>
+        <p:cNvPr id="1" name=""/>
+        <p:cNvGrpSpPr/>
+        <p:nvPr/>
+      </p:nvGrpSpPr>
+      <p:grpSpPr>
+        <a:xfrm>
+          <a:off x="0" y="0"/>
+          <a:ext cx="0" cy="0"/>
+          <a:chOff x="0" y="0"/>
+          <a:chExt cx="0" cy="0"/>
+        </a:xfrm>
+      </p:grpSpPr>
+      <p:sp>
+        <p:nvSpPr>
+          <p:cNvPr id="4" name="Datumsplatzhalter 3"/>
+          <p:cNvSpPr>
+            <a:spLocks noGrp="1"/>
+          </p:cNvSpPr>
+          <p:nvPr>
+            <p:ph type="dt" sz="half" idx="10"/>
+          </p:nvPr>
+        </p:nvSpPr>
+        <p:spPr/>
+        <p:txBody>
+          <a:bodyPr/>
+          <a:lstStyle/>
+          <a:p>
+            <a:r>
+              <a:rPr lang="de-DE" smtClean="0"/>
+              <a:t>13.11.17</a:t>
+            </a:r>
+            <a:endParaRPr lang="en-US"/>
+          </a:p>
+        </p:txBody>
+      </p:sp>
+      <p:sp>
+        <p:nvSpPr>
+          <p:cNvPr id="5" name="Fußzeilenplatzhalter 4"/>
+          <p:cNvSpPr>
+            <a:spLocks noGrp="1"/>
+          </p:cNvSpPr>
+          <p:nvPr>
+            <p:ph type="ftr" sz="quarter" idx="11"/>
+          </p:nvPr>
+        </p:nvSpPr>
+        <p:spPr/>
+        <p:txBody>
+          <a:bodyPr/>
+          <a:lstStyle/>
+          <a:p>
+            <a:r>
+              <a:rPr lang="en-US" smtClean="0"/>
+              <a:t>Watch Tycoon 2017</a:t>
+            </a:r>
+            <a:endParaRPr lang="en-US"/>
+          </a:p>
+        </p:txBody>
+      </p:sp>
+      <p:pic>
+        <p:nvPicPr>
+          <p:cNvPr id="6" name="Bild 5" descr="Markt.jpeg"/>
+          <p:cNvPicPr>
+            <a:picLocks noChangeAspect="1"/>
+          </p:cNvPicPr>
+          <p:nvPr/>
+        </p:nvPicPr>
+        <p:blipFill>
+          <a:blip r:embed="rId2">
+            <a:extLst>
+              <a:ext uri="{28A0092B-C50C-407E-A947-70E740481C1C}">
+                <a14:useLocalDpi xmlns:a14="http://schemas.microsoft.com/office/drawing/2010/main" val="0"/>
+              </a:ext>
+            </a:extLst>
+          </a:blip>
+          <a:stretch>
+            <a:fillRect/>
+          </a:stretch>
+        </p:blipFill>
+        <p:spPr>
+          <a:xfrm>
+            <a:off x="1286272" y="0"/>
+            <a:ext cx="6599580" cy="6470682"/>
+          </a:xfrm>
+          <a:prstGeom prst="rect">
+            <a:avLst/>
+          </a:prstGeom>
+        </p:spPr>
+      </p:pic>
+    </p:spTree>
+    <p:extLst>
+      <p:ext uri="{BB962C8B-B14F-4D97-AF65-F5344CB8AC3E}">
+        <p14:creationId xmlns:p14="http://schemas.microsoft.com/office/powerpoint/2010/main" val="1824413987"/>
       </p:ext>
     </p:extLst>
   </p:cSld>

--- a/doc/fallstudie_präsentation.pptx
+++ b/doc/fallstudie_präsentation.pptx
@@ -4129,7 +4129,6 @@
               <a:rPr lang="de-DE" dirty="0" smtClean="0"/>
               <a:t>Spielablauf-Test</a:t>
             </a:r>
-            <a:endParaRPr lang="de-DE" dirty="0" smtClean="0"/>
           </a:p>
           <a:p>
             <a:pPr marL="0" indent="0">
@@ -5124,7 +5123,6 @@
               <a:rPr lang="de-DE" dirty="0" smtClean="0"/>
               <a:t>Markt</a:t>
             </a:r>
-            <a:endParaRPr lang="de-DE" dirty="0" smtClean="0"/>
           </a:p>
           <a:p>
             <a:endParaRPr lang="de-DE" dirty="0" smtClean="0"/>
